--- a/Lecture_9-Accuracy-Of-Linear-Models/Linearizing-Reaction-Networks.pptx
+++ b/Lecture_9-Accuracy-Of-Linear-Models/Linearizing-Reaction-Networks.pptx
@@ -5378,7 +5378,7 @@
             <p:spPr>
               <a:xfrm>
                 <a:off x="675506" y="1896791"/>
-                <a:ext cx="1690783" cy="720647"/>
+                <a:ext cx="1599862" cy="682816"/>
               </a:xfrm>
               <a:prstGeom prst="rect">
                 <a:avLst/>
@@ -5511,14 +5511,15 @@
                           </m:d>
                         </m:e>
                         <m:sub>
-                          <m:sSub>
-                            <m:sSubPr>
+                          <m:acc>
+                            <m:accPr>
+                              <m:chr m:val="̅"/>
                               <m:ctrlPr>
                                 <a:rPr lang="en-US" sz="2000" b="1" i="1" smtClean="0">
                                   <a:latin typeface="Cambria Math" panose="02040503050406030204" pitchFamily="18" charset="0"/>
                                 </a:rPr>
                               </m:ctrlPr>
-                            </m:sSubPr>
+                            </m:accPr>
                             <m:e>
                               <m:r>
                                 <a:rPr lang="en-US" sz="2000" b="1" i="1" smtClean="0">
@@ -5527,15 +5528,7 @@
                                 <m:t>𝒙</m:t>
                               </m:r>
                             </m:e>
-                            <m:sub>
-                              <m:r>
-                                <a:rPr lang="en-US" sz="2000" b="1" i="1" smtClean="0">
-                                  <a:latin typeface="Cambria Math" panose="02040503050406030204" pitchFamily="18" charset="0"/>
-                                </a:rPr>
-                                <m:t>𝟎</m:t>
-                              </m:r>
-                            </m:sub>
-                          </m:sSub>
+                          </m:acc>
                         </m:sub>
                       </m:sSub>
                     </m:oMath>
@@ -5564,7 +5557,7 @@
             <p:spPr>
               <a:xfrm>
                 <a:off x="675506" y="1896791"/>
-                <a:ext cx="1690783" cy="720647"/>
+                <a:ext cx="1599862" cy="682816"/>
               </a:xfrm>
               <a:prstGeom prst="rect">
                 <a:avLst/>
@@ -5572,7 +5565,7 @@
               <a:blipFill>
                 <a:blip r:embed="rId2"/>
                 <a:stretch>
-                  <a:fillRect t="-121053" r="-23881" b="-185965"/>
+                  <a:fillRect t="-125455" r="-30709" b="-196364"/>
                 </a:stretch>
               </a:blipFill>
             </p:spPr>
@@ -8795,7 +8788,7 @@
             <p:spPr>
               <a:xfrm>
                 <a:off x="473476" y="3949673"/>
-                <a:ext cx="1157689" cy="720647"/>
+                <a:ext cx="1058560" cy="682687"/>
               </a:xfrm>
               <a:prstGeom prst="rect">
                 <a:avLst/>
@@ -8892,14 +8885,15 @@
                           </m:d>
                         </m:e>
                         <m:sub>
-                          <m:sSub>
-                            <m:sSubPr>
+                          <m:acc>
+                            <m:accPr>
+                              <m:chr m:val="̅"/>
                               <m:ctrlPr>
                                 <a:rPr lang="en-US" sz="2000" b="1" i="1">
                                   <a:latin typeface="Cambria Math" panose="02040503050406030204" pitchFamily="18" charset="0"/>
                                 </a:rPr>
                               </m:ctrlPr>
-                            </m:sSubPr>
+                            </m:accPr>
                             <m:e>
                               <m:r>
                                 <a:rPr lang="en-US" sz="2000" b="1" i="1">
@@ -8908,15 +8902,7 @@
                                 <m:t>𝒙</m:t>
                               </m:r>
                             </m:e>
-                            <m:sub>
-                              <m:r>
-                                <a:rPr lang="en-US" sz="2000" b="1" i="1">
-                                  <a:latin typeface="Cambria Math" panose="02040503050406030204" pitchFamily="18" charset="0"/>
-                                </a:rPr>
-                                <m:t>𝟎</m:t>
-                              </m:r>
-                            </m:sub>
-                          </m:sSub>
+                          </m:acc>
                         </m:sub>
                       </m:sSub>
                       <m:r>
@@ -8951,7 +8937,7 @@
             <p:spPr>
               <a:xfrm>
                 <a:off x="473476" y="3949673"/>
-                <a:ext cx="1157689" cy="720647"/>
+                <a:ext cx="1058560" cy="682687"/>
               </a:xfrm>
               <a:prstGeom prst="rect">
                 <a:avLst/>
@@ -8959,7 +8945,7 @@
               <a:blipFill>
                 <a:blip r:embed="rId5"/>
                 <a:stretch>
-                  <a:fillRect l="-32609" t="-121053" r="-13043" b="-185965"/>
+                  <a:fillRect l="-35714" t="-127778" r="-23810" b="-201852"/>
                 </a:stretch>
               </a:blipFill>
             </p:spPr>
@@ -8995,7 +8981,7 @@
             <p:spPr>
               <a:xfrm>
                 <a:off x="7409568" y="1705542"/>
-                <a:ext cx="1201291" cy="993605"/>
+                <a:ext cx="1107867" cy="992708"/>
               </a:xfrm>
               <a:prstGeom prst="rect">
                 <a:avLst/>
@@ -9013,14 +8999,15 @@
                       <m:jc m:val="centerGroup"/>
                     </m:oMathParaPr>
                     <m:oMath xmlns:m="http://schemas.openxmlformats.org/officeDocument/2006/math">
-                      <m:sSub>
-                        <m:sSubPr>
+                      <m:acc>
+                        <m:accPr>
+                          <m:chr m:val="̅"/>
                           <m:ctrlPr>
-                            <a:rPr lang="en-US" b="1" i="1" smtClean="0">
+                            <a:rPr lang="en-US" b="1" i="1">
                               <a:latin typeface="Cambria Math" panose="02040503050406030204" pitchFamily="18" charset="0"/>
                             </a:rPr>
                           </m:ctrlPr>
-                        </m:sSubPr>
+                        </m:accPr>
                         <m:e>
                           <m:r>
                             <a:rPr lang="en-US" b="1" i="1">
@@ -9029,15 +9016,7 @@
                             <m:t>𝒙</m:t>
                           </m:r>
                         </m:e>
-                        <m:sub>
-                          <m:r>
-                            <a:rPr lang="en-US" b="1" i="1">
-                              <a:latin typeface="Cambria Math" panose="02040503050406030204" pitchFamily="18" charset="0"/>
-                            </a:rPr>
-                            <m:t>𝟎</m:t>
-                          </m:r>
-                        </m:sub>
-                      </m:sSub>
+                      </m:acc>
                       <m:r>
                         <a:rPr lang="en-US" b="1" i="1" smtClean="0">
                           <a:latin typeface="Cambria Math" panose="02040503050406030204" pitchFamily="18" charset="0"/>
@@ -9223,7 +9202,7 @@
             <p:spPr>
               <a:xfrm>
                 <a:off x="7409568" y="1705542"/>
-                <a:ext cx="1201291" cy="993605"/>
+                <a:ext cx="1107867" cy="992708"/>
               </a:xfrm>
               <a:prstGeom prst="rect">
                 <a:avLst/>
@@ -9564,7 +9543,7 @@
             <p:spPr>
               <a:xfrm>
                 <a:off x="3524204" y="6059101"/>
-                <a:ext cx="2654958" cy="499560"/>
+                <a:ext cx="1278170" cy="658194"/>
               </a:xfrm>
               <a:prstGeom prst="rect">
                 <a:avLst/>
@@ -9577,212 +9556,131 @@
               <a:lstStyle/>
               <a:p>
                 <a14:m>
-                  <m:oMath xmlns:m="http://schemas.openxmlformats.org/officeDocument/2006/math">
-                    <m:r>
-                      <a:rPr lang="en-US" b="1" i="1" smtClean="0">
-                        <a:latin typeface="Cambria Math" panose="02040503050406030204" pitchFamily="18" charset="0"/>
-                      </a:rPr>
-                      <m:t>𝑨</m:t>
-                    </m:r>
-                    <m:r>
-                      <a:rPr lang="en-US" b="1" i="1" smtClean="0">
-                        <a:latin typeface="Cambria Math" panose="02040503050406030204" pitchFamily="18" charset="0"/>
-                      </a:rPr>
-                      <m:t>=</m:t>
-                    </m:r>
-                    <m:f>
-                      <m:fPr>
-                        <m:ctrlPr>
-                          <a:rPr lang="en-US" b="1" i="1">
-                            <a:latin typeface="Cambria Math" panose="02040503050406030204" pitchFamily="18" charset="0"/>
-                          </a:rPr>
-                        </m:ctrlPr>
-                      </m:fPr>
-                      <m:num>
-                        <m:r>
-                          <a:rPr lang="en-US" i="1">
-                            <a:latin typeface="Cambria Math" panose="02040503050406030204" pitchFamily="18" charset="0"/>
-                          </a:rPr>
-                          <m:t>𝜕</m:t>
-                        </m:r>
-                        <m:acc>
-                          <m:accPr>
-                            <m:chr m:val="̇"/>
-                            <m:ctrlPr>
-                              <a:rPr lang="en-US" b="1" i="1">
-                                <a:latin typeface="Cambria Math" panose="02040503050406030204" pitchFamily="18" charset="0"/>
-                              </a:rPr>
-                            </m:ctrlPr>
-                          </m:accPr>
-                          <m:e>
-                            <m:r>
-                              <a:rPr lang="en-US" b="1" i="1">
-                                <a:latin typeface="Cambria Math" panose="02040503050406030204" pitchFamily="18" charset="0"/>
-                              </a:rPr>
-                              <m:t>𝒙</m:t>
-                            </m:r>
-                          </m:e>
-                        </m:acc>
-                      </m:num>
-                      <m:den>
-                        <m:r>
-                          <a:rPr lang="en-US" i="1">
-                            <a:latin typeface="Cambria Math" panose="02040503050406030204" pitchFamily="18" charset="0"/>
-                          </a:rPr>
-                          <m:t>𝜕</m:t>
-                        </m:r>
-                        <m:r>
-                          <a:rPr lang="en-US" b="1" i="1">
-                            <a:latin typeface="Cambria Math" panose="02040503050406030204" pitchFamily="18" charset="0"/>
-                          </a:rPr>
-                          <m:t>𝒙</m:t>
-                        </m:r>
-                      </m:den>
-                    </m:f>
-                    <m:sSub>
-                      <m:sSubPr>
-                        <m:ctrlPr>
-                          <a:rPr lang="en-US" i="1">
-                            <a:latin typeface="Cambria Math" panose="02040503050406030204" pitchFamily="18" charset="0"/>
-                          </a:rPr>
-                        </m:ctrlPr>
-                      </m:sSubPr>
-                      <m:e>
-                        <m:d>
-                          <m:dPr>
-                            <m:begChr m:val=""/>
-                            <m:endChr m:val="|"/>
-                            <m:ctrlPr>
-                              <a:rPr lang="en-US" i="1">
-                                <a:latin typeface="Cambria Math" panose="02040503050406030204" pitchFamily="18" charset="0"/>
-                              </a:rPr>
-                            </m:ctrlPr>
-                          </m:dPr>
-                          <m:e>
-                            <m:r>
-                              <a:rPr lang="en-US" b="1" i="1">
-                                <a:latin typeface="Cambria Math" panose="02040503050406030204" pitchFamily="18" charset="0"/>
-                              </a:rPr>
-                              <m:t>​</m:t>
-                            </m:r>
-                          </m:e>
-                        </m:d>
-                      </m:e>
-                      <m:sub>
-                        <m:sSub>
-                          <m:sSubPr>
-                            <m:ctrlPr>
-                              <a:rPr lang="en-US" b="1" i="1">
-                                <a:latin typeface="Cambria Math" panose="02040503050406030204" pitchFamily="18" charset="0"/>
-                              </a:rPr>
-                            </m:ctrlPr>
-                          </m:sSubPr>
-                          <m:e>
-                            <m:r>
-                              <a:rPr lang="en-US" b="1" i="1">
-                                <a:latin typeface="Cambria Math" panose="02040503050406030204" pitchFamily="18" charset="0"/>
-                              </a:rPr>
-                              <m:t>𝒙</m:t>
-                            </m:r>
-                          </m:e>
-                          <m:sub>
-                            <m:r>
-                              <a:rPr lang="en-US" i="1">
-                                <a:latin typeface="Cambria Math" panose="02040503050406030204" pitchFamily="18" charset="0"/>
-                              </a:rPr>
-                              <m:t>0</m:t>
-                            </m:r>
-                          </m:sub>
-                        </m:sSub>
-                      </m:sub>
-                    </m:sSub>
-                  </m:oMath>
-                </a14:m>
-                <a:r>
-                  <a:rPr lang="en-US" dirty="0"/>
-                  <a:t>, </a:t>
-                </a:r>
-                <a14:m>
-                  <m:oMath xmlns:m="http://schemas.openxmlformats.org/officeDocument/2006/math">
-                    <m:acc>
-                      <m:accPr>
-                        <m:chr m:val="̃"/>
-                        <m:ctrlPr>
-                          <a:rPr lang="en-US" b="0" i="1" smtClean="0">
-                            <a:latin typeface="Cambria Math" panose="02040503050406030204" pitchFamily="18" charset="0"/>
-                          </a:rPr>
-                        </m:ctrlPr>
-                      </m:accPr>
-                      <m:e>
-                        <m:r>
-                          <a:rPr lang="en-US" b="1" i="1" smtClean="0">
-                            <a:latin typeface="Cambria Math" panose="02040503050406030204" pitchFamily="18" charset="0"/>
-                          </a:rPr>
-                          <m:t>𝒙</m:t>
-                        </m:r>
-                      </m:e>
-                    </m:acc>
-                    <m:r>
-                      <a:rPr lang="en-US" b="1" i="1" smtClean="0">
-                        <a:latin typeface="Cambria Math" panose="02040503050406030204" pitchFamily="18" charset="0"/>
-                      </a:rPr>
-                      <m:t>=</m:t>
-                    </m:r>
-                    <m:r>
-                      <a:rPr lang="en-US" b="1" i="1" smtClean="0">
-                        <a:latin typeface="Cambria Math" panose="02040503050406030204" pitchFamily="18" charset="0"/>
-                      </a:rPr>
-                      <m:t>𝒙</m:t>
-                    </m:r>
-                    <m:d>
-                      <m:dPr>
-                        <m:ctrlPr>
-                          <a:rPr lang="en-US" i="1" smtClean="0">
-                            <a:latin typeface="Cambria Math" panose="02040503050406030204" pitchFamily="18" charset="0"/>
-                          </a:rPr>
-                        </m:ctrlPr>
-                      </m:dPr>
-                      <m:e>
-                        <m:r>
-                          <a:rPr lang="en-US" b="0" i="1" smtClean="0">
-                            <a:latin typeface="Cambria Math" panose="02040503050406030204" pitchFamily="18" charset="0"/>
-                          </a:rPr>
-                          <m:t>𝑡</m:t>
-                        </m:r>
-                      </m:e>
-                    </m:d>
-                    <m:r>
-                      <a:rPr lang="en-US" b="1" i="1" smtClean="0">
-                        <a:latin typeface="Cambria Math" panose="02040503050406030204" pitchFamily="18" charset="0"/>
-                      </a:rPr>
-                      <m:t>−</m:t>
-                    </m:r>
-                    <m:sSub>
-                      <m:sSubPr>
-                        <m:ctrlPr>
-                          <a:rPr lang="en-US" b="1" i="1">
-                            <a:latin typeface="Cambria Math" panose="02040503050406030204" pitchFamily="18" charset="0"/>
-                          </a:rPr>
-                        </m:ctrlPr>
-                      </m:sSubPr>
-                      <m:e>
-                        <m:r>
-                          <a:rPr lang="en-US" b="1" i="1">
-                            <a:latin typeface="Cambria Math" panose="02040503050406030204" pitchFamily="18" charset="0"/>
-                          </a:rPr>
-                          <m:t>𝒙</m:t>
-                        </m:r>
-                      </m:e>
-                      <m:sub>
-                        <m:r>
-                          <a:rPr lang="en-US" i="1">
-                            <a:latin typeface="Cambria Math" panose="02040503050406030204" pitchFamily="18" charset="0"/>
-                          </a:rPr>
-                          <m:t>0</m:t>
-                        </m:r>
-                      </m:sub>
-                    </m:sSub>
-                  </m:oMath>
+                  <m:oMathPara xmlns:m="http://schemas.openxmlformats.org/officeDocument/2006/math">
+                    <m:oMathParaPr>
+                      <m:jc m:val="centerGroup"/>
+                    </m:oMathParaPr>
+                    <m:oMath xmlns:m="http://schemas.openxmlformats.org/officeDocument/2006/math">
+                      <m:r>
+                        <a:rPr lang="en-US" b="1" i="1" smtClean="0">
+                          <a:latin typeface="Cambria Math" panose="02040503050406030204" pitchFamily="18" charset="0"/>
+                        </a:rPr>
+                        <m:t>𝑨</m:t>
+                      </m:r>
+                      <m:r>
+                        <a:rPr lang="en-US" b="1" i="1" smtClean="0">
+                          <a:latin typeface="Cambria Math" panose="02040503050406030204" pitchFamily="18" charset="0"/>
+                        </a:rPr>
+                        <m:t>=</m:t>
+                      </m:r>
+                      <m:f>
+                        <m:fPr>
+                          <m:ctrlPr>
+                            <a:rPr lang="en-US" b="1" i="1">
+                              <a:latin typeface="Cambria Math" panose="02040503050406030204" pitchFamily="18" charset="0"/>
+                            </a:rPr>
+                          </m:ctrlPr>
+                        </m:fPr>
+                        <m:num>
+                          <m:r>
+                            <a:rPr lang="en-US" i="1">
+                              <a:latin typeface="Cambria Math" panose="02040503050406030204" pitchFamily="18" charset="0"/>
+                            </a:rPr>
+                            <m:t>𝜕</m:t>
+                          </m:r>
+                          <m:acc>
+                            <m:accPr>
+                              <m:chr m:val="̇"/>
+                              <m:ctrlPr>
+                                <a:rPr lang="en-US" b="1" i="1">
+                                  <a:latin typeface="Cambria Math" panose="02040503050406030204" pitchFamily="18" charset="0"/>
+                                </a:rPr>
+                              </m:ctrlPr>
+                            </m:accPr>
+                            <m:e>
+                              <m:r>
+                                <a:rPr lang="en-US" b="1" i="1">
+                                  <a:latin typeface="Cambria Math" panose="02040503050406030204" pitchFamily="18" charset="0"/>
+                                </a:rPr>
+                                <m:t>𝒙</m:t>
+                              </m:r>
+                            </m:e>
+                          </m:acc>
+                        </m:num>
+                        <m:den>
+                          <m:r>
+                            <a:rPr lang="en-US" i="1">
+                              <a:latin typeface="Cambria Math" panose="02040503050406030204" pitchFamily="18" charset="0"/>
+                            </a:rPr>
+                            <m:t>𝜕</m:t>
+                          </m:r>
+                          <m:r>
+                            <a:rPr lang="en-US" b="1" i="1">
+                              <a:latin typeface="Cambria Math" panose="02040503050406030204" pitchFamily="18" charset="0"/>
+                            </a:rPr>
+                            <m:t>𝒙</m:t>
+                          </m:r>
+                        </m:den>
+                      </m:f>
+                      <m:sSub>
+                        <m:sSubPr>
+                          <m:ctrlPr>
+                            <a:rPr lang="en-US" i="1">
+                              <a:latin typeface="Cambria Math" panose="02040503050406030204" pitchFamily="18" charset="0"/>
+                            </a:rPr>
+                          </m:ctrlPr>
+                        </m:sSubPr>
+                        <m:e>
+                          <m:d>
+                            <m:dPr>
+                              <m:begChr m:val=""/>
+                              <m:endChr m:val="|"/>
+                              <m:ctrlPr>
+                                <a:rPr lang="en-US" i="1">
+                                  <a:latin typeface="Cambria Math" panose="02040503050406030204" pitchFamily="18" charset="0"/>
+                                </a:rPr>
+                              </m:ctrlPr>
+                            </m:dPr>
+                            <m:e>
+                              <m:r>
+                                <a:rPr lang="en-US" b="1" i="1">
+                                  <a:latin typeface="Cambria Math" panose="02040503050406030204" pitchFamily="18" charset="0"/>
+                                </a:rPr>
+                                <m:t>​</m:t>
+                              </m:r>
+                            </m:e>
+                          </m:d>
+                        </m:e>
+                        <m:sub>
+                          <m:sSub>
+                            <m:sSubPr>
+                              <m:ctrlPr>
+                                <a:rPr lang="en-US" b="1" i="1">
+                                  <a:latin typeface="Cambria Math" panose="02040503050406030204" pitchFamily="18" charset="0"/>
+                                </a:rPr>
+                              </m:ctrlPr>
+                            </m:sSubPr>
+                            <m:e>
+                              <m:r>
+                                <a:rPr lang="en-US" b="1" i="1">
+                                  <a:latin typeface="Cambria Math" panose="02040503050406030204" pitchFamily="18" charset="0"/>
+                                </a:rPr>
+                                <m:t>𝒙</m:t>
+                              </m:r>
+                            </m:e>
+                            <m:sub>
+                              <m:r>
+                                <a:rPr lang="en-US" i="1">
+                                  <a:latin typeface="Cambria Math" panose="02040503050406030204" pitchFamily="18" charset="0"/>
+                                </a:rPr>
+                                <m:t>0</m:t>
+                              </m:r>
+                            </m:sub>
+                          </m:sSub>
+                        </m:sub>
+                      </m:sSub>
+                    </m:oMath>
+                  </m:oMathPara>
                 </a14:m>
                 <a:endParaRPr lang="en-US" dirty="0"/>
               </a:p>
@@ -9807,7 +9705,7 @@
             <p:spPr>
               <a:xfrm>
                 <a:off x="3524204" y="6059101"/>
-                <a:ext cx="2654958" cy="499560"/>
+                <a:ext cx="1278170" cy="658194"/>
               </a:xfrm>
               <a:prstGeom prst="rect">
                 <a:avLst/>
@@ -9815,7 +9713,7 @@
               <a:blipFill>
                 <a:blip r:embed="rId7"/>
                 <a:stretch>
-                  <a:fillRect t="-70000" b="-115000"/>
+                  <a:fillRect t="-121154" r="-28431" b="-184615"/>
                 </a:stretch>
               </a:blipFill>
             </p:spPr>
@@ -26701,7 +26599,7 @@
             <p:spPr>
               <a:xfrm>
                 <a:off x="1417479" y="3702486"/>
-                <a:ext cx="6848926" cy="369909"/>
+                <a:ext cx="7387472" cy="369909"/>
               </a:xfrm>
               <a:prstGeom prst="rect">
                 <a:avLst/>
@@ -26716,7 +26614,7 @@
               <a:p>
                 <a:r>
                   <a:rPr lang="en-US" dirty="0"/>
-                  <a:t>An overbar, </a:t>
+                  <a:t>An overbar (e.g., </a:t>
                 </a:r>
                 <a14:m>
                   <m:oMath xmlns:m="http://schemas.openxmlformats.org/officeDocument/2006/math">
@@ -26757,11 +26655,17 @@
                         </m:r>
                       </m:sub>
                     </m:sSub>
+                    <m:r>
+                      <a:rPr lang="en-US" b="0" i="0" smtClean="0">
+                        <a:latin typeface="Cambria Math" panose="02040503050406030204" pitchFamily="18" charset="0"/>
+                      </a:rPr>
+                      <m:t>)</m:t>
+                    </m:r>
                   </m:oMath>
                 </a14:m>
                 <a:r>
                   <a:rPr lang="en-US" dirty="0"/>
-                  <a:t>, is used to indicate the value at an operating point.</a:t>
+                  <a:t> is used to indicate the value at an operating point.</a:t>
                 </a:r>
               </a:p>
             </p:txBody>
@@ -26785,7 +26689,7 @@
             <p:spPr>
               <a:xfrm>
                 <a:off x="1417479" y="3702486"/>
-                <a:ext cx="6848926" cy="369909"/>
+                <a:ext cx="7387472" cy="369909"/>
               </a:xfrm>
               <a:prstGeom prst="rect">
                 <a:avLst/>
@@ -26793,7 +26697,482 @@
               <a:blipFill>
                 <a:blip r:embed="rId5"/>
                 <a:stretch>
-                  <a:fillRect l="-741" t="-6667" b="-26667"/>
+                  <a:fillRect l="-686" t="-6667" r="-172" b="-26667"/>
+                </a:stretch>
+              </a:blipFill>
+            </p:spPr>
+            <p:txBody>
+              <a:bodyPr/>
+              <a:lstStyle/>
+              <a:p>
+                <a:r>
+                  <a:rPr lang="en-US">
+                    <a:noFill/>
+                  </a:rPr>
+                  <a:t> </a:t>
+                </a:r>
+              </a:p>
+            </p:txBody>
+          </p:sp>
+        </mc:Fallback>
+      </mc:AlternateContent>
+      <mc:AlternateContent xmlns:mc="http://schemas.openxmlformats.org/markup-compatibility/2006">
+        <mc:Choice xmlns:a14="http://schemas.microsoft.com/office/drawing/2010/main" Requires="a14">
+          <p:sp>
+            <p:nvSpPr>
+              <p:cNvPr id="19" name="Rectangle 18">
+                <a:extLst>
+                  <a:ext uri="{FF2B5EF4-FFF2-40B4-BE49-F238E27FC236}">
+                    <a16:creationId xmlns:a16="http://schemas.microsoft.com/office/drawing/2014/main" id="{05DC659E-2FDC-284F-8FBD-A092D09CBC1F}"/>
+                  </a:ext>
+                </a:extLst>
+              </p:cNvPr>
+              <p:cNvSpPr/>
+              <p:nvPr/>
+            </p:nvSpPr>
+            <p:spPr>
+              <a:xfrm>
+                <a:off x="4891219" y="1837973"/>
+                <a:ext cx="1107867" cy="992708"/>
+              </a:xfrm>
+              <a:prstGeom prst="rect">
+                <a:avLst/>
+              </a:prstGeom>
+            </p:spPr>
+            <p:txBody>
+              <a:bodyPr wrap="none">
+                <a:spAutoFit/>
+              </a:bodyPr>
+              <a:lstStyle/>
+              <a:p>
+                <a14:m>
+                  <m:oMathPara xmlns:m="http://schemas.openxmlformats.org/officeDocument/2006/math">
+                    <m:oMathParaPr>
+                      <m:jc m:val="centerGroup"/>
+                    </m:oMathParaPr>
+                    <m:oMath xmlns:m="http://schemas.openxmlformats.org/officeDocument/2006/math">
+                      <m:acc>
+                        <m:accPr>
+                          <m:chr m:val="̅"/>
+                          <m:ctrlPr>
+                            <a:rPr lang="en-US" b="1" i="1">
+                              <a:latin typeface="Cambria Math" panose="02040503050406030204" pitchFamily="18" charset="0"/>
+                            </a:rPr>
+                          </m:ctrlPr>
+                        </m:accPr>
+                        <m:e>
+                          <m:r>
+                            <a:rPr lang="en-US" b="1" i="1">
+                              <a:latin typeface="Cambria Math" panose="02040503050406030204" pitchFamily="18" charset="0"/>
+                            </a:rPr>
+                            <m:t>𝒙</m:t>
+                          </m:r>
+                        </m:e>
+                      </m:acc>
+                      <m:r>
+                        <a:rPr lang="en-US" b="1" i="1" smtClean="0">
+                          <a:latin typeface="Cambria Math" panose="02040503050406030204" pitchFamily="18" charset="0"/>
+                        </a:rPr>
+                        <m:t>=</m:t>
+                      </m:r>
+                      <m:d>
+                        <m:dPr>
+                          <m:begChr m:val="["/>
+                          <m:endChr m:val="]"/>
+                          <m:ctrlPr>
+                            <a:rPr lang="en-US" b="1" i="1" smtClean="0">
+                              <a:latin typeface="Cambria Math" panose="02040503050406030204" pitchFamily="18" charset="0"/>
+                            </a:rPr>
+                          </m:ctrlPr>
+                        </m:dPr>
+                        <m:e>
+                          <m:m>
+                            <m:mPr>
+                              <m:mcs>
+                                <m:mc>
+                                  <m:mcPr>
+                                    <m:count m:val="1"/>
+                                    <m:mcJc m:val="center"/>
+                                  </m:mcPr>
+                                </m:mc>
+                              </m:mcs>
+                              <m:ctrlPr>
+                                <a:rPr lang="en-US" b="1" i="1" smtClean="0">
+                                  <a:latin typeface="Cambria Math" panose="02040503050406030204" pitchFamily="18" charset="0"/>
+                                </a:rPr>
+                              </m:ctrlPr>
+                            </m:mPr>
+                            <m:mr>
+                              <m:e>
+                                <m:sSub>
+                                  <m:sSubPr>
+                                    <m:ctrlPr>
+                                      <a:rPr lang="en-US" i="1">
+                                        <a:latin typeface="Cambria Math" panose="02040503050406030204" pitchFamily="18" charset="0"/>
+                                      </a:rPr>
+                                    </m:ctrlPr>
+                                  </m:sSubPr>
+                                  <m:e>
+                                    <m:acc>
+                                      <m:accPr>
+                                        <m:chr m:val="̅"/>
+                                        <m:ctrlPr>
+                                          <a:rPr lang="en-US" i="1">
+                                            <a:latin typeface="Cambria Math" panose="02040503050406030204" pitchFamily="18" charset="0"/>
+                                          </a:rPr>
+                                        </m:ctrlPr>
+                                      </m:accPr>
+                                      <m:e>
+                                        <m:r>
+                                          <a:rPr lang="en-US" i="1">
+                                            <a:latin typeface="Cambria Math" panose="02040503050406030204" pitchFamily="18" charset="0"/>
+                                          </a:rPr>
+                                          <m:t>𝑆</m:t>
+                                        </m:r>
+                                      </m:e>
+                                    </m:acc>
+                                  </m:e>
+                                  <m:sub>
+                                    <m:r>
+                                      <a:rPr lang="en-US" i="1">
+                                        <a:latin typeface="Cambria Math" panose="02040503050406030204" pitchFamily="18" charset="0"/>
+                                      </a:rPr>
+                                      <m:t>1</m:t>
+                                    </m:r>
+                                  </m:sub>
+                                </m:sSub>
+                              </m:e>
+                            </m:mr>
+                            <m:mr>
+                              <m:e>
+                                <m:sSub>
+                                  <m:sSubPr>
+                                    <m:ctrlPr>
+                                      <a:rPr lang="en-US" i="1">
+                                        <a:latin typeface="Cambria Math" panose="02040503050406030204" pitchFamily="18" charset="0"/>
+                                      </a:rPr>
+                                    </m:ctrlPr>
+                                  </m:sSubPr>
+                                  <m:e>
+                                    <m:acc>
+                                      <m:accPr>
+                                        <m:chr m:val="̅"/>
+                                        <m:ctrlPr>
+                                          <a:rPr lang="en-US" i="1">
+                                            <a:latin typeface="Cambria Math" panose="02040503050406030204" pitchFamily="18" charset="0"/>
+                                          </a:rPr>
+                                        </m:ctrlPr>
+                                      </m:accPr>
+                                      <m:e>
+                                        <m:r>
+                                          <a:rPr lang="en-US" i="1">
+                                            <a:latin typeface="Cambria Math" panose="02040503050406030204" pitchFamily="18" charset="0"/>
+                                          </a:rPr>
+                                          <m:t>𝑆</m:t>
+                                        </m:r>
+                                      </m:e>
+                                    </m:acc>
+                                  </m:e>
+                                  <m:sub>
+                                    <m:r>
+                                      <a:rPr lang="en-US" b="0" i="1" smtClean="0">
+                                        <a:latin typeface="Cambria Math" panose="02040503050406030204" pitchFamily="18" charset="0"/>
+                                      </a:rPr>
+                                      <m:t>2</m:t>
+                                    </m:r>
+                                  </m:sub>
+                                </m:sSub>
+                              </m:e>
+                            </m:mr>
+                            <m:mr>
+                              <m:e>
+                                <m:sSub>
+                                  <m:sSubPr>
+                                    <m:ctrlPr>
+                                      <a:rPr lang="en-US" i="1">
+                                        <a:latin typeface="Cambria Math" panose="02040503050406030204" pitchFamily="18" charset="0"/>
+                                      </a:rPr>
+                                    </m:ctrlPr>
+                                  </m:sSubPr>
+                                  <m:e>
+                                    <m:acc>
+                                      <m:accPr>
+                                        <m:chr m:val="̅"/>
+                                        <m:ctrlPr>
+                                          <a:rPr lang="en-US" i="1">
+                                            <a:latin typeface="Cambria Math" panose="02040503050406030204" pitchFamily="18" charset="0"/>
+                                          </a:rPr>
+                                        </m:ctrlPr>
+                                      </m:accPr>
+                                      <m:e>
+                                        <m:r>
+                                          <a:rPr lang="en-US" i="1">
+                                            <a:latin typeface="Cambria Math" panose="02040503050406030204" pitchFamily="18" charset="0"/>
+                                          </a:rPr>
+                                          <m:t>𝑆</m:t>
+                                        </m:r>
+                                      </m:e>
+                                    </m:acc>
+                                  </m:e>
+                                  <m:sub>
+                                    <m:r>
+                                      <a:rPr lang="en-US" b="0" i="1" smtClean="0">
+                                        <a:latin typeface="Cambria Math" panose="02040503050406030204" pitchFamily="18" charset="0"/>
+                                      </a:rPr>
+                                      <m:t>3</m:t>
+                                    </m:r>
+                                  </m:sub>
+                                </m:sSub>
+                              </m:e>
+                            </m:mr>
+                          </m:m>
+                        </m:e>
+                      </m:d>
+                    </m:oMath>
+                  </m:oMathPara>
+                </a14:m>
+                <a:endParaRPr lang="en-US" dirty="0"/>
+              </a:p>
+            </p:txBody>
+          </p:sp>
+        </mc:Choice>
+        <mc:Fallback>
+          <p:sp>
+            <p:nvSpPr>
+              <p:cNvPr id="19" name="Rectangle 18">
+                <a:extLst>
+                  <a:ext uri="{FF2B5EF4-FFF2-40B4-BE49-F238E27FC236}">
+                    <a16:creationId xmlns:a16="http://schemas.microsoft.com/office/drawing/2014/main" id="{05DC659E-2FDC-284F-8FBD-A092D09CBC1F}"/>
+                  </a:ext>
+                </a:extLst>
+              </p:cNvPr>
+              <p:cNvSpPr>
+                <a:spLocks noRot="1" noChangeAspect="1" noMove="1" noResize="1" noEditPoints="1" noAdjustHandles="1" noChangeArrowheads="1" noChangeShapeType="1" noTextEdit="1"/>
+              </p:cNvSpPr>
+              <p:nvPr/>
+            </p:nvSpPr>
+            <p:spPr>
+              <a:xfrm>
+                <a:off x="4891219" y="1837973"/>
+                <a:ext cx="1107867" cy="992708"/>
+              </a:xfrm>
+              <a:prstGeom prst="rect">
+                <a:avLst/>
+              </a:prstGeom>
+              <a:blipFill>
+                <a:blip r:embed="rId6"/>
+                <a:stretch>
+                  <a:fillRect b="-2532"/>
+                </a:stretch>
+              </a:blipFill>
+            </p:spPr>
+            <p:txBody>
+              <a:bodyPr/>
+              <a:lstStyle/>
+              <a:p>
+                <a:r>
+                  <a:rPr lang="en-US">
+                    <a:noFill/>
+                  </a:rPr>
+                  <a:t> </a:t>
+                </a:r>
+              </a:p>
+            </p:txBody>
+          </p:sp>
+        </mc:Fallback>
+      </mc:AlternateContent>
+      <mc:AlternateContent xmlns:mc="http://schemas.openxmlformats.org/markup-compatibility/2006">
+        <mc:Choice xmlns:a14="http://schemas.microsoft.com/office/drawing/2010/main" Requires="a14">
+          <p:sp>
+            <p:nvSpPr>
+              <p:cNvPr id="21" name="Rectangle 20">
+                <a:extLst>
+                  <a:ext uri="{FF2B5EF4-FFF2-40B4-BE49-F238E27FC236}">
+                    <a16:creationId xmlns:a16="http://schemas.microsoft.com/office/drawing/2014/main" id="{28C3D635-DAE3-6D4A-9800-B0425E6FA7DD}"/>
+                  </a:ext>
+                </a:extLst>
+              </p:cNvPr>
+              <p:cNvSpPr/>
+              <p:nvPr/>
+            </p:nvSpPr>
+            <p:spPr>
+              <a:xfrm>
+                <a:off x="4381082" y="3244334"/>
+                <a:ext cx="381836" cy="369332"/>
+              </a:xfrm>
+              <a:prstGeom prst="rect">
+                <a:avLst/>
+              </a:prstGeom>
+            </p:spPr>
+            <p:txBody>
+              <a:bodyPr wrap="none">
+                <a:spAutoFit/>
+              </a:bodyPr>
+              <a:lstStyle/>
+              <a:p>
+                <a14:m>
+                  <m:oMathPara xmlns:m="http://schemas.openxmlformats.org/officeDocument/2006/math">
+                    <m:oMathParaPr>
+                      <m:jc m:val="centerGroup"/>
+                    </m:oMathParaPr>
+                    <m:oMath xmlns:m="http://schemas.openxmlformats.org/officeDocument/2006/math">
+                      <m:acc>
+                        <m:accPr>
+                          <m:chr m:val="̅"/>
+                          <m:ctrlPr>
+                            <a:rPr lang="en-US" b="1" i="1">
+                              <a:latin typeface="Cambria Math" panose="02040503050406030204" pitchFamily="18" charset="0"/>
+                            </a:rPr>
+                          </m:ctrlPr>
+                        </m:accPr>
+                        <m:e>
+                          <m:r>
+                            <a:rPr lang="en-US" b="1" i="1">
+                              <a:latin typeface="Cambria Math" panose="02040503050406030204" pitchFamily="18" charset="0"/>
+                            </a:rPr>
+                            <m:t>𝒙</m:t>
+                          </m:r>
+                        </m:e>
+                      </m:acc>
+                    </m:oMath>
+                  </m:oMathPara>
+                </a14:m>
+                <a:endParaRPr lang="en-US" dirty="0"/>
+              </a:p>
+            </p:txBody>
+          </p:sp>
+        </mc:Choice>
+        <mc:Fallback>
+          <p:sp>
+            <p:nvSpPr>
+              <p:cNvPr id="21" name="Rectangle 20">
+                <a:extLst>
+                  <a:ext uri="{FF2B5EF4-FFF2-40B4-BE49-F238E27FC236}">
+                    <a16:creationId xmlns:a16="http://schemas.microsoft.com/office/drawing/2014/main" id="{28C3D635-DAE3-6D4A-9800-B0425E6FA7DD}"/>
+                  </a:ext>
+                </a:extLst>
+              </p:cNvPr>
+              <p:cNvSpPr>
+                <a:spLocks noRot="1" noChangeAspect="1" noMove="1" noResize="1" noEditPoints="1" noAdjustHandles="1" noChangeArrowheads="1" noChangeShapeType="1" noTextEdit="1"/>
+              </p:cNvSpPr>
+              <p:nvPr/>
+            </p:nvSpPr>
+            <p:spPr>
+              <a:xfrm>
+                <a:off x="4381082" y="3244334"/>
+                <a:ext cx="381836" cy="369332"/>
+              </a:xfrm>
+              <a:prstGeom prst="rect">
+                <a:avLst/>
+              </a:prstGeom>
+              <a:blipFill>
+                <a:blip r:embed="rId7"/>
+                <a:stretch>
+                  <a:fillRect/>
+                </a:stretch>
+              </a:blipFill>
+            </p:spPr>
+            <p:txBody>
+              <a:bodyPr/>
+              <a:lstStyle/>
+              <a:p>
+                <a:r>
+                  <a:rPr lang="en-US">
+                    <a:noFill/>
+                  </a:rPr>
+                  <a:t> </a:t>
+                </a:r>
+              </a:p>
+            </p:txBody>
+          </p:sp>
+        </mc:Fallback>
+      </mc:AlternateContent>
+      <mc:AlternateContent xmlns:mc="http://schemas.openxmlformats.org/markup-compatibility/2006">
+        <mc:Choice xmlns:a14="http://schemas.microsoft.com/office/drawing/2010/main" Requires="a14">
+          <p:sp>
+            <p:nvSpPr>
+              <p:cNvPr id="22" name="Rectangle 21">
+                <a:extLst>
+                  <a:ext uri="{FF2B5EF4-FFF2-40B4-BE49-F238E27FC236}">
+                    <a16:creationId xmlns:a16="http://schemas.microsoft.com/office/drawing/2014/main" id="{0CF69A47-97BF-5841-A746-E65F2ADF1F62}"/>
+                  </a:ext>
+                </a:extLst>
+              </p:cNvPr>
+              <p:cNvSpPr/>
+              <p:nvPr/>
+            </p:nvSpPr>
+            <p:spPr>
+              <a:xfrm>
+                <a:off x="1906228" y="5587154"/>
+                <a:ext cx="2039341" cy="400110"/>
+              </a:xfrm>
+              <a:prstGeom prst="rect">
+                <a:avLst/>
+              </a:prstGeom>
+            </p:spPr>
+            <p:txBody>
+              <a:bodyPr wrap="none">
+                <a:spAutoFit/>
+              </a:bodyPr>
+              <a:lstStyle/>
+              <a:p>
+                <a14:m>
+                  <m:oMath xmlns:m="http://schemas.openxmlformats.org/officeDocument/2006/math">
+                    <m:acc>
+                      <m:accPr>
+                        <m:chr m:val="̅"/>
+                        <m:ctrlPr>
+                          <a:rPr lang="en-US" sz="2000" b="1" i="1" u="sng">
+                            <a:latin typeface="Cambria Math" panose="02040503050406030204" pitchFamily="18" charset="0"/>
+                          </a:rPr>
+                        </m:ctrlPr>
+                      </m:accPr>
+                      <m:e>
+                        <m:r>
+                          <a:rPr lang="en-US" sz="2000" b="1" i="1" u="sng">
+                            <a:latin typeface="Cambria Math" panose="02040503050406030204" pitchFamily="18" charset="0"/>
+                          </a:rPr>
+                          <m:t>𝒙</m:t>
+                        </m:r>
+                      </m:e>
+                    </m:acc>
+                  </m:oMath>
+                </a14:m>
+                <a:r>
+                  <a:rPr lang="en-US" sz="2000" b="1" u="sng" dirty="0"/>
+                  <a:t> is a constant.</a:t>
+                </a:r>
+              </a:p>
+            </p:txBody>
+          </p:sp>
+        </mc:Choice>
+        <mc:Fallback>
+          <p:sp>
+            <p:nvSpPr>
+              <p:cNvPr id="22" name="Rectangle 21">
+                <a:extLst>
+                  <a:ext uri="{FF2B5EF4-FFF2-40B4-BE49-F238E27FC236}">
+                    <a16:creationId xmlns:a16="http://schemas.microsoft.com/office/drawing/2014/main" id="{0CF69A47-97BF-5841-A746-E65F2ADF1F62}"/>
+                  </a:ext>
+                </a:extLst>
+              </p:cNvPr>
+              <p:cNvSpPr>
+                <a:spLocks noRot="1" noChangeAspect="1" noMove="1" noResize="1" noEditPoints="1" noAdjustHandles="1" noChangeArrowheads="1" noChangeShapeType="1" noTextEdit="1"/>
+              </p:cNvSpPr>
+              <p:nvPr/>
+            </p:nvSpPr>
+            <p:spPr>
+              <a:xfrm>
+                <a:off x="1906228" y="5587154"/>
+                <a:ext cx="2039341" cy="400110"/>
+              </a:xfrm>
+              <a:prstGeom prst="rect">
+                <a:avLst/>
+              </a:prstGeom>
+              <a:blipFill>
+                <a:blip r:embed="rId8"/>
+                <a:stretch>
+                  <a:fillRect t="-9375" r="-2484" b="-28125"/>
                 </a:stretch>
               </a:blipFill>
             </p:spPr>
@@ -28799,7 +29178,7 @@
             <p:spPr>
               <a:xfrm>
                 <a:off x="817021" y="4350616"/>
-                <a:ext cx="7563224" cy="369332"/>
+                <a:ext cx="7583102" cy="369332"/>
               </a:xfrm>
               <a:prstGeom prst="rect">
                 <a:avLst/>
@@ -28852,31 +29231,24 @@
                 </a:r>
                 <a14:m>
                   <m:oMath xmlns:m="http://schemas.openxmlformats.org/officeDocument/2006/math">
-                    <m:sSub>
-                      <m:sSubPr>
+                    <m:acc>
+                      <m:accPr>
+                        <m:chr m:val="̅"/>
                         <m:ctrlPr>
-                          <a:rPr lang="en-US" b="1" i="1">
+                          <a:rPr lang="en-US" b="1" i="1" dirty="0" smtClean="0">
                             <a:latin typeface="Cambria Math" panose="02040503050406030204" pitchFamily="18" charset="0"/>
                           </a:rPr>
                         </m:ctrlPr>
-                      </m:sSubPr>
+                      </m:accPr>
                       <m:e>
                         <m:r>
-                          <a:rPr lang="en-US" b="1" i="1">
+                          <a:rPr lang="en-US" b="1" i="1" dirty="0" smtClean="0">
                             <a:latin typeface="Cambria Math" panose="02040503050406030204" pitchFamily="18" charset="0"/>
                           </a:rPr>
                           <m:t>𝒙</m:t>
                         </m:r>
                       </m:e>
-                      <m:sub>
-                        <m:r>
-                          <a:rPr lang="en-US" b="1" i="1">
-                            <a:latin typeface="Cambria Math" panose="02040503050406030204" pitchFamily="18" charset="0"/>
-                          </a:rPr>
-                          <m:t>𝟎</m:t>
-                        </m:r>
-                      </m:sub>
-                    </m:sSub>
+                    </m:acc>
                   </m:oMath>
                 </a14:m>
                 <a:r>
@@ -28906,7 +29278,7 @@
             <p:spPr>
               <a:xfrm>
                 <a:off x="817021" y="4350616"/>
-                <a:ext cx="7563224" cy="369332"/>
+                <a:ext cx="7583102" cy="369332"/>
               </a:xfrm>
               <a:prstGeom prst="rect">
                 <a:avLst/>
@@ -28914,7 +29286,7 @@
               <a:blipFill>
                 <a:blip r:embed="rId5"/>
                 <a:stretch>
-                  <a:fillRect l="-671" t="-6667" b="-26667"/>
+                  <a:fillRect l="-669" t="-6667" b="-26667"/>
                 </a:stretch>
               </a:blipFill>
             </p:spPr>
@@ -28949,8 +29321,8 @@
             </p:nvSpPr>
             <p:spPr>
               <a:xfrm>
-                <a:off x="1513642" y="4833957"/>
-                <a:ext cx="3781163" cy="1055866"/>
+                <a:off x="937394" y="4666901"/>
+                <a:ext cx="6432402" cy="1055866"/>
               </a:xfrm>
               <a:prstGeom prst="rect">
                 <a:avLst/>
@@ -28970,10 +29342,40 @@
                     </m:oMathParaPr>
                     <m:oMath xmlns:m="http://schemas.openxmlformats.org/officeDocument/2006/math">
                       <m:r>
-                        <a:rPr lang="en-US" b="1" i="1" smtClean="0">
+                        <a:rPr lang="en-US" b="0" i="1" smtClean="0">
                           <a:latin typeface="Cambria Math" panose="02040503050406030204" pitchFamily="18" charset="0"/>
                         </a:rPr>
-                        <m:t>𝒚</m:t>
+                        <m:t>𝑦</m:t>
+                      </m:r>
+                      <m:r>
+                        <a:rPr lang="en-US" b="0" i="1" smtClean="0">
+                          <a:latin typeface="Cambria Math" panose="02040503050406030204" pitchFamily="18" charset="0"/>
+                        </a:rPr>
+                        <m:t>=</m:t>
+                      </m:r>
+                      <m:r>
+                        <a:rPr lang="en-US" i="1">
+                          <a:latin typeface="Cambria Math" panose="02040503050406030204" pitchFamily="18" charset="0"/>
+                        </a:rPr>
+                        <m:t>𝑓</m:t>
+                      </m:r>
+                      <m:r>
+                        <a:rPr lang="en-US" i="1">
+                          <a:latin typeface="Cambria Math" panose="02040503050406030204" pitchFamily="18" charset="0"/>
+                        </a:rPr>
+                        <m:t>(</m:t>
+                      </m:r>
+                      <m:r>
+                        <a:rPr lang="en-US" b="1" i="1">
+                          <a:latin typeface="Cambria Math" panose="02040503050406030204" pitchFamily="18" charset="0"/>
+                        </a:rPr>
+                        <m:t>𝒙</m:t>
+                      </m:r>
+                      <m:r>
+                        <a:rPr lang="en-US" i="1">
+                          <a:latin typeface="Cambria Math" panose="02040503050406030204" pitchFamily="18" charset="0"/>
+                        </a:rPr>
+                        <m:t>)</m:t>
                       </m:r>
                       <m:r>
                         <a:rPr lang="en-US" b="0" i="1" smtClean="0">
@@ -28996,14 +29398,15 @@
                           </m:ctrlPr>
                         </m:dPr>
                         <m:e>
-                          <m:sSub>
-                            <m:sSubPr>
+                          <m:acc>
+                            <m:accPr>
+                              <m:chr m:val="̅"/>
                               <m:ctrlPr>
-                                <a:rPr lang="en-US" i="1">
+                                <a:rPr lang="en-US" b="1" i="1">
                                   <a:latin typeface="Cambria Math" panose="02040503050406030204" pitchFamily="18" charset="0"/>
                                 </a:rPr>
                               </m:ctrlPr>
-                            </m:sSubPr>
+                            </m:accPr>
                             <m:e>
                               <m:r>
                                 <a:rPr lang="en-US" b="1" i="1">
@@ -29012,15 +29415,7 @@
                                 <m:t>𝒙</m:t>
                               </m:r>
                             </m:e>
-                            <m:sub>
-                              <m:r>
-                                <a:rPr lang="en-US" i="1">
-                                  <a:latin typeface="Cambria Math" panose="02040503050406030204" pitchFamily="18" charset="0"/>
-                                </a:rPr>
-                                <m:t>0</m:t>
-                              </m:r>
-                            </m:sub>
-                          </m:sSub>
+                          </m:acc>
                         </m:e>
                       </m:d>
                       <m:r>
@@ -29142,25 +29537,37 @@
                               <m:sSub>
                                 <m:sSubPr>
                                   <m:ctrlPr>
-                                    <a:rPr lang="en-US" i="1">
+                                    <a:rPr lang="en-US" b="0" i="1" smtClean="0">
                                       <a:latin typeface="Cambria Math" panose="02040503050406030204" pitchFamily="18" charset="0"/>
                                     </a:rPr>
                                   </m:ctrlPr>
                                 </m:sSubPr>
                                 <m:e>
-                                  <m:r>
-                                    <a:rPr lang="en-US" b="1" i="1">
-                                      <a:latin typeface="Cambria Math" panose="02040503050406030204" pitchFamily="18" charset="0"/>
-                                    </a:rPr>
-                                    <m:t>𝒙</m:t>
-                                  </m:r>
+                                  <m:acc>
+                                    <m:accPr>
+                                      <m:chr m:val="̅"/>
+                                      <m:ctrlPr>
+                                        <a:rPr lang="en-US" i="1">
+                                          <a:latin typeface="Cambria Math" panose="02040503050406030204" pitchFamily="18" charset="0"/>
+                                        </a:rPr>
+                                      </m:ctrlPr>
+                                    </m:accPr>
+                                    <m:e>
+                                      <m:r>
+                                        <a:rPr lang="en-US" b="0" i="1">
+                                          <a:latin typeface="Cambria Math" panose="02040503050406030204" pitchFamily="18" charset="0"/>
+                                        </a:rPr>
+                                        <m:t>𝑥</m:t>
+                                      </m:r>
+                                    </m:e>
+                                  </m:acc>
                                 </m:e>
                                 <m:sub>
                                   <m:r>
-                                    <a:rPr lang="en-US" i="1">
+                                    <a:rPr lang="en-US" b="0" i="1" smtClean="0">
                                       <a:latin typeface="Cambria Math" panose="02040503050406030204" pitchFamily="18" charset="0"/>
                                     </a:rPr>
-                                    <m:t>0</m:t>
+                                    <m:t>𝑛</m:t>
                                   </m:r>
                                 </m:sub>
                               </m:sSub>
@@ -29215,31 +29622,24 @@
                                   </m:ctrlPr>
                                 </m:sSubPr>
                                 <m:e>
-                                  <m:sSub>
-                                    <m:sSubPr>
+                                  <m:acc>
+                                    <m:accPr>
+                                      <m:chr m:val="̅"/>
                                       <m:ctrlPr>
-                                        <a:rPr lang="en-US" b="0" i="1" smtClean="0">
+                                        <a:rPr lang="en-US" i="1">
                                           <a:latin typeface="Cambria Math" panose="02040503050406030204" pitchFamily="18" charset="0"/>
                                         </a:rPr>
                                       </m:ctrlPr>
-                                    </m:sSubPr>
+                                    </m:accPr>
                                     <m:e>
                                       <m:r>
-                                        <a:rPr lang="en-US" b="0" i="1" smtClean="0">
+                                        <a:rPr lang="en-US" b="0" i="1">
                                           <a:latin typeface="Cambria Math" panose="02040503050406030204" pitchFamily="18" charset="0"/>
                                         </a:rPr>
                                         <m:t>𝑥</m:t>
                                       </m:r>
                                     </m:e>
-                                    <m:sub>
-                                      <m:r>
-                                        <a:rPr lang="en-US" b="0" i="1" smtClean="0">
-                                          <a:latin typeface="Cambria Math" panose="02040503050406030204" pitchFamily="18" charset="0"/>
-                                        </a:rPr>
-                                        <m:t>0</m:t>
-                                      </m:r>
-                                    </m:sub>
-                                  </m:sSub>
+                                  </m:acc>
                                 </m:e>
                                 <m:sub>
                                   <m:r>
@@ -29252,6 +29652,227 @@
                               </m:sSub>
                             </m:e>
                           </m:d>
+                          <m:r>
+                            <a:rPr lang="en-US" b="0" i="1" smtClean="0">
+                              <a:latin typeface="Cambria Math" panose="02040503050406030204" pitchFamily="18" charset="0"/>
+                              <a:ea typeface="Cambria Math" panose="02040503050406030204" pitchFamily="18" charset="0"/>
+                            </a:rPr>
+                            <m:t>≡</m:t>
+                          </m:r>
+                          <m:acc>
+                            <m:accPr>
+                              <m:chr m:val="̃"/>
+                              <m:ctrlPr>
+                                <a:rPr lang="en-US" i="1">
+                                  <a:latin typeface="Cambria Math" panose="02040503050406030204" pitchFamily="18" charset="0"/>
+                                </a:rPr>
+                              </m:ctrlPr>
+                            </m:accPr>
+                            <m:e>
+                              <m:r>
+                                <a:rPr lang="en-US" b="0" i="1">
+                                  <a:latin typeface="Cambria Math" panose="02040503050406030204" pitchFamily="18" charset="0"/>
+                                </a:rPr>
+                                <m:t>𝑦</m:t>
+                              </m:r>
+                            </m:e>
+                          </m:acc>
+                          <m:r>
+                            <a:rPr lang="en-US" b="0" i="1" smtClean="0">
+                              <a:latin typeface="Cambria Math" panose="02040503050406030204" pitchFamily="18" charset="0"/>
+                            </a:rPr>
+                            <m:t>≈</m:t>
+                          </m:r>
+                        </m:e>
+                      </m:nary>
+                      <m:nary>
+                        <m:naryPr>
+                          <m:chr m:val="∑"/>
+                          <m:supHide m:val="on"/>
+                          <m:ctrlPr>
+                            <a:rPr lang="en-US" b="0" i="1" smtClean="0">
+                              <a:latin typeface="Cambria Math" panose="02040503050406030204" pitchFamily="18" charset="0"/>
+                            </a:rPr>
+                          </m:ctrlPr>
+                        </m:naryPr>
+                        <m:sub>
+                          <m:r>
+                            <a:rPr lang="en-US" b="0" i="1" smtClean="0">
+                              <a:latin typeface="Cambria Math" panose="02040503050406030204" pitchFamily="18" charset="0"/>
+                            </a:rPr>
+                            <m:t>𝑛</m:t>
+                          </m:r>
+                        </m:sub>
+                        <m:sup/>
+                        <m:e>
+                          <m:f>
+                            <m:fPr>
+                              <m:ctrlPr>
+                                <a:rPr lang="en-US" i="1">
+                                  <a:latin typeface="Cambria Math" panose="02040503050406030204" pitchFamily="18" charset="0"/>
+                                </a:rPr>
+                              </m:ctrlPr>
+                            </m:fPr>
+                            <m:num>
+                              <m:r>
+                                <a:rPr lang="en-US" i="1">
+                                  <a:latin typeface="Cambria Math" panose="02040503050406030204" pitchFamily="18" charset="0"/>
+                                </a:rPr>
+                                <m:t>𝜕</m:t>
+                              </m:r>
+                              <m:r>
+                                <a:rPr lang="en-US" i="1">
+                                  <a:latin typeface="Cambria Math" panose="02040503050406030204" pitchFamily="18" charset="0"/>
+                                </a:rPr>
+                                <m:t>𝑓</m:t>
+                              </m:r>
+                            </m:num>
+                            <m:den>
+                              <m:r>
+                                <a:rPr lang="en-US" i="1">
+                                  <a:latin typeface="Cambria Math" panose="02040503050406030204" pitchFamily="18" charset="0"/>
+                                </a:rPr>
+                                <m:t>𝜕</m:t>
+                              </m:r>
+                              <m:sSub>
+                                <m:sSubPr>
+                                  <m:ctrlPr>
+                                    <a:rPr lang="en-US" i="1">
+                                      <a:latin typeface="Cambria Math" panose="02040503050406030204" pitchFamily="18" charset="0"/>
+                                    </a:rPr>
+                                  </m:ctrlPr>
+                                </m:sSubPr>
+                                <m:e>
+                                  <m:r>
+                                    <a:rPr lang="en-US" i="1">
+                                      <a:latin typeface="Cambria Math" panose="02040503050406030204" pitchFamily="18" charset="0"/>
+                                    </a:rPr>
+                                    <m:t>𝑥</m:t>
+                                  </m:r>
+                                </m:e>
+                                <m:sub>
+                                  <m:r>
+                                    <a:rPr lang="en-US" i="1">
+                                      <a:latin typeface="Cambria Math" panose="02040503050406030204" pitchFamily="18" charset="0"/>
+                                    </a:rPr>
+                                    <m:t>𝑛</m:t>
+                                  </m:r>
+                                </m:sub>
+                              </m:sSub>
+                            </m:den>
+                          </m:f>
+                          <m:sSub>
+                            <m:sSubPr>
+                              <m:ctrlPr>
+                                <a:rPr lang="en-US" i="1">
+                                  <a:latin typeface="Cambria Math" panose="02040503050406030204" pitchFamily="18" charset="0"/>
+                                </a:rPr>
+                              </m:ctrlPr>
+                            </m:sSubPr>
+                            <m:e>
+                              <m:d>
+                                <m:dPr>
+                                  <m:begChr m:val=""/>
+                                  <m:endChr m:val="|"/>
+                                  <m:ctrlPr>
+                                    <a:rPr lang="en-US" i="1">
+                                      <a:latin typeface="Cambria Math" panose="02040503050406030204" pitchFamily="18" charset="0"/>
+                                    </a:rPr>
+                                  </m:ctrlPr>
+                                </m:dPr>
+                                <m:e>
+                                  <m:r>
+                                    <a:rPr lang="en-US">
+                                      <a:latin typeface="Cambria Math" panose="02040503050406030204" pitchFamily="18" charset="0"/>
+                                    </a:rPr>
+                                    <m:t>​</m:t>
+                                  </m:r>
+                                </m:e>
+                              </m:d>
+                            </m:e>
+                            <m:sub>
+                              <m:sSub>
+                                <m:sSubPr>
+                                  <m:ctrlPr>
+                                    <a:rPr lang="en-US" i="1">
+                                      <a:latin typeface="Cambria Math" panose="02040503050406030204" pitchFamily="18" charset="0"/>
+                                    </a:rPr>
+                                  </m:ctrlPr>
+                                </m:sSubPr>
+                                <m:e>
+                                  <m:acc>
+                                    <m:accPr>
+                                      <m:chr m:val="̅"/>
+                                      <m:ctrlPr>
+                                        <a:rPr lang="en-US" i="1">
+                                          <a:latin typeface="Cambria Math" panose="02040503050406030204" pitchFamily="18" charset="0"/>
+                                        </a:rPr>
+                                      </m:ctrlPr>
+                                    </m:accPr>
+                                    <m:e>
+                                      <m:r>
+                                        <a:rPr lang="en-US" i="1">
+                                          <a:latin typeface="Cambria Math" panose="02040503050406030204" pitchFamily="18" charset="0"/>
+                                        </a:rPr>
+                                        <m:t>𝑥</m:t>
+                                      </m:r>
+                                    </m:e>
+                                  </m:acc>
+                                </m:e>
+                                <m:sub>
+                                  <m:r>
+                                    <a:rPr lang="en-US" i="1">
+                                      <a:latin typeface="Cambria Math" panose="02040503050406030204" pitchFamily="18" charset="0"/>
+                                    </a:rPr>
+                                    <m:t>𝑛</m:t>
+                                  </m:r>
+                                </m:sub>
+                              </m:sSub>
+                            </m:sub>
+                          </m:sSub>
+                          <m:r>
+                            <a:rPr lang="en-US" b="0" i="1" smtClean="0">
+                              <a:latin typeface="Cambria Math" panose="02040503050406030204" pitchFamily="18" charset="0"/>
+                            </a:rPr>
+                            <m:t> </m:t>
+                          </m:r>
+                          <m:sSub>
+                            <m:sSubPr>
+                              <m:ctrlPr>
+                                <a:rPr lang="en-US" b="0" i="1" smtClean="0">
+                                  <a:latin typeface="Cambria Math" panose="02040503050406030204" pitchFamily="18" charset="0"/>
+                                </a:rPr>
+                              </m:ctrlPr>
+                            </m:sSubPr>
+                            <m:e>
+                              <m:acc>
+                                <m:accPr>
+                                  <m:chr m:val="̃"/>
+                                  <m:ctrlPr>
+                                    <a:rPr lang="en-US" b="0" i="1" smtClean="0">
+                                      <a:latin typeface="Cambria Math" panose="02040503050406030204" pitchFamily="18" charset="0"/>
+                                    </a:rPr>
+                                  </m:ctrlPr>
+                                </m:accPr>
+                                <m:e>
+                                  <m:r>
+                                    <a:rPr lang="en-US" b="0" i="1" smtClean="0">
+                                      <a:latin typeface="Cambria Math" panose="02040503050406030204" pitchFamily="18" charset="0"/>
+                                    </a:rPr>
+                                    <m:t>𝑥</m:t>
+                                  </m:r>
+                                </m:e>
+                              </m:acc>
+                            </m:e>
+                            <m:sub>
+                              <m:r>
+                                <a:rPr lang="en-US" b="0" i="1" smtClean="0">
+                                  <a:latin typeface="Cambria Math" panose="02040503050406030204" pitchFamily="18" charset="0"/>
+                                </a:rPr>
+                                <m:t>𝑛</m:t>
+                              </m:r>
+                            </m:sub>
+                          </m:sSub>
                         </m:e>
                       </m:nary>
                     </m:oMath>
@@ -29284,8 +29905,8 @@
             </p:nvSpPr>
             <p:spPr>
               <a:xfrm>
-                <a:off x="1513642" y="4833957"/>
-                <a:ext cx="3781163" cy="1055866"/>
+                <a:off x="937394" y="4666901"/>
+                <a:ext cx="6432402" cy="1055866"/>
               </a:xfrm>
               <a:prstGeom prst="rect">
                 <a:avLst/>
@@ -29293,7 +29914,7 @@
               <a:blipFill>
                 <a:blip r:embed="rId6"/>
                 <a:stretch>
-                  <a:fillRect t="-82143" b="-103571"/>
+                  <a:fillRect t="-82143" b="-102381"/>
                 </a:stretch>
               </a:blipFill>
             </p:spPr>
@@ -29485,7 +30106,7 @@
         </p:nvSpPr>
         <p:spPr>
           <a:xfrm>
-            <a:off x="1251752" y="5803582"/>
+            <a:off x="1652348" y="5707787"/>
             <a:ext cx="5872914" cy="276999"/>
           </a:xfrm>
           <a:prstGeom prst="rect">
@@ -29522,8 +30143,8 @@
             </p:nvSpPr>
             <p:spPr>
               <a:xfrm>
-                <a:off x="1476093" y="6131689"/>
-                <a:ext cx="1150892" cy="276999"/>
+                <a:off x="1876689" y="6035894"/>
+                <a:ext cx="1528364" cy="276999"/>
               </a:xfrm>
               <a:prstGeom prst="rect">
                 <a:avLst/>
@@ -29542,71 +30163,121 @@
                       <m:jc m:val="centerGroup"/>
                     </m:oMathParaPr>
                     <m:oMath xmlns:m="http://schemas.openxmlformats.org/officeDocument/2006/math">
-                      <m:acc>
-                        <m:accPr>
-                          <m:chr m:val="̃"/>
+                      <m:sSub>
+                        <m:sSubPr>
                           <m:ctrlPr>
-                            <a:rPr lang="en-US" b="1" i="1" smtClean="0">
+                            <a:rPr lang="en-US" b="0" i="1" smtClean="0">
                               <a:latin typeface="Cambria Math" panose="02040503050406030204" pitchFamily="18" charset="0"/>
                             </a:rPr>
                           </m:ctrlPr>
-                        </m:accPr>
+                        </m:sSubPr>
                         <m:e>
+                          <m:acc>
+                            <m:accPr>
+                              <m:chr m:val="̃"/>
+                              <m:ctrlPr>
+                                <a:rPr lang="en-US" i="1" smtClean="0">
+                                  <a:latin typeface="Cambria Math" panose="02040503050406030204" pitchFamily="18" charset="0"/>
+                                </a:rPr>
+                              </m:ctrlPr>
+                            </m:accPr>
+                            <m:e>
+                              <m:r>
+                                <a:rPr lang="en-US" b="0" i="1" smtClean="0">
+                                  <a:latin typeface="Cambria Math" panose="02040503050406030204" pitchFamily="18" charset="0"/>
+                                </a:rPr>
+                                <m:t>𝑥</m:t>
+                              </m:r>
+                            </m:e>
+                          </m:acc>
+                        </m:e>
+                        <m:sub>
                           <m:r>
-                            <a:rPr lang="en-US" b="1" i="1" smtClean="0">
+                            <a:rPr lang="en-US" b="0" i="1" smtClean="0">
                               <a:latin typeface="Cambria Math" panose="02040503050406030204" pitchFamily="18" charset="0"/>
                             </a:rPr>
-                            <m:t>𝒙</m:t>
+                            <m:t>𝑛</m:t>
                           </m:r>
-                        </m:e>
-                      </m:acc>
+                        </m:sub>
+                      </m:sSub>
                       <m:r>
                         <a:rPr lang="en-US" b="0" i="1" smtClean="0">
                           <a:latin typeface="Cambria Math" panose="02040503050406030204" pitchFamily="18" charset="0"/>
                         </a:rPr>
                         <m:t>=</m:t>
                       </m:r>
-                      <m:r>
-                        <a:rPr lang="en-US" b="1" i="1" smtClean="0">
-                          <a:latin typeface="Cambria Math" panose="02040503050406030204" pitchFamily="18" charset="0"/>
-                        </a:rPr>
-                        <m:t>𝒙</m:t>
-                      </m:r>
-                      <m:r>
-                        <a:rPr lang="en-US" b="1" i="1" smtClean="0">
-                          <a:latin typeface="Cambria Math" panose="02040503050406030204" pitchFamily="18" charset="0"/>
-                        </a:rPr>
-                        <m:t>−</m:t>
-                      </m:r>
                       <m:sSub>
                         <m:sSubPr>
                           <m:ctrlPr>
-                            <a:rPr lang="en-US" b="1" i="1" smtClean="0">
+                            <a:rPr lang="en-US" b="0" i="1" smtClean="0">
                               <a:latin typeface="Cambria Math" panose="02040503050406030204" pitchFamily="18" charset="0"/>
                             </a:rPr>
                           </m:ctrlPr>
                         </m:sSubPr>
                         <m:e>
                           <m:r>
-                            <a:rPr lang="en-US" b="1" i="1" smtClean="0">
+                            <a:rPr lang="en-US" b="0" i="1" smtClean="0">
                               <a:latin typeface="Cambria Math" panose="02040503050406030204" pitchFamily="18" charset="0"/>
                             </a:rPr>
-                            <m:t>𝒙</m:t>
+                            <m:t>𝑥</m:t>
                           </m:r>
                         </m:e>
                         <m:sub>
                           <m:r>
-                            <a:rPr lang="en-US" b="1" i="1" smtClean="0">
+                            <a:rPr lang="en-US" b="0" i="1" smtClean="0">
                               <a:latin typeface="Cambria Math" panose="02040503050406030204" pitchFamily="18" charset="0"/>
                             </a:rPr>
-                            <m:t>𝟎</m:t>
+                            <m:t>𝑛</m:t>
                           </m:r>
                         </m:sub>
                       </m:sSub>
+                      <m:r>
+                        <a:rPr lang="en-US" b="0" i="1" smtClean="0">
+                          <a:latin typeface="Cambria Math" panose="02040503050406030204" pitchFamily="18" charset="0"/>
+                        </a:rPr>
+                        <m:t>−</m:t>
+                      </m:r>
+                      <m:acc>
+                        <m:accPr>
+                          <m:chr m:val="̅"/>
+                          <m:ctrlPr>
+                            <a:rPr lang="en-US" i="1">
+                              <a:latin typeface="Cambria Math" panose="02040503050406030204" pitchFamily="18" charset="0"/>
+                            </a:rPr>
+                          </m:ctrlPr>
+                        </m:accPr>
+                        <m:e>
+                          <m:sSub>
+                            <m:sSubPr>
+                              <m:ctrlPr>
+                                <a:rPr lang="en-US" b="0" i="1" smtClean="0">
+                                  <a:latin typeface="Cambria Math" panose="02040503050406030204" pitchFamily="18" charset="0"/>
+                                </a:rPr>
+                              </m:ctrlPr>
+                            </m:sSubPr>
+                            <m:e>
+                              <m:r>
+                                <a:rPr lang="en-US" b="0" i="1">
+                                  <a:latin typeface="Cambria Math" panose="02040503050406030204" pitchFamily="18" charset="0"/>
+                                </a:rPr>
+                                <m:t>𝑥</m:t>
+                              </m:r>
+                            </m:e>
+                            <m:sub>
+                              <m:r>
+                                <a:rPr lang="en-US" b="0" i="1" smtClean="0">
+                                  <a:latin typeface="Cambria Math" panose="02040503050406030204" pitchFamily="18" charset="0"/>
+                                </a:rPr>
+                                <m:t>𝑛</m:t>
+                              </m:r>
+                            </m:sub>
+                          </m:sSub>
+                        </m:e>
+                      </m:acc>
                     </m:oMath>
                   </m:oMathPara>
                 </a14:m>
-                <a:endParaRPr lang="en-US" b="1" dirty="0"/>
+                <a:endParaRPr lang="en-US" dirty="0"/>
               </a:p>
             </p:txBody>
           </p:sp>
@@ -29628,8 +30299,8 @@
             </p:nvSpPr>
             <p:spPr>
               <a:xfrm>
-                <a:off x="1476093" y="6131689"/>
-                <a:ext cx="1150892" cy="276999"/>
+                <a:off x="1876689" y="6035894"/>
+                <a:ext cx="1528364" cy="276999"/>
               </a:xfrm>
               <a:prstGeom prst="rect">
                 <a:avLst/>
@@ -29637,7 +30308,7 @@
               <a:blipFill>
                 <a:blip r:embed="rId8"/>
                 <a:stretch>
-                  <a:fillRect l="-2198" r="-1099" b="-21739"/>
+                  <a:fillRect b="-13043"/>
                 </a:stretch>
               </a:blipFill>
             </p:spPr>
@@ -29672,8 +30343,8 @@
             </p:nvSpPr>
             <p:spPr>
               <a:xfrm>
-                <a:off x="3196483" y="6139709"/>
-                <a:ext cx="1807161" cy="276999"/>
+                <a:off x="3597079" y="6043914"/>
+                <a:ext cx="1693092" cy="276999"/>
               </a:xfrm>
               <a:prstGeom prst="rect">
                 <a:avLst/>
@@ -29696,17 +30367,17 @@
                         <m:accPr>
                           <m:chr m:val="̃"/>
                           <m:ctrlPr>
-                            <a:rPr lang="en-US" b="1" i="1">
+                            <a:rPr lang="en-US" i="1" smtClean="0">
                               <a:latin typeface="Cambria Math" panose="02040503050406030204" pitchFamily="18" charset="0"/>
                             </a:rPr>
                           </m:ctrlPr>
                         </m:accPr>
                         <m:e>
                           <m:r>
-                            <a:rPr lang="en-US" b="1" i="1" smtClean="0">
+                            <a:rPr lang="en-US" b="0" i="1" smtClean="0">
                               <a:latin typeface="Cambria Math" panose="02040503050406030204" pitchFamily="18" charset="0"/>
                             </a:rPr>
-                            <m:t>𝒚</m:t>
+                            <m:t>𝑦</m:t>
                           </m:r>
                         </m:e>
                       </m:acc>
@@ -29746,27 +30417,28 @@
                         </a:rPr>
                         <m:t>−</m:t>
                       </m:r>
-                      <m:sSub>
-                        <m:sSubPr>
+                      <m:r>
+                        <a:rPr lang="en-US" b="0" i="1" smtClean="0">
+                          <a:latin typeface="Cambria Math" panose="02040503050406030204" pitchFamily="18" charset="0"/>
+                        </a:rPr>
+                        <m:t>𝑓</m:t>
+                      </m:r>
+                      <m:r>
+                        <a:rPr lang="en-US" b="1" i="1" smtClean="0">
+                          <a:latin typeface="Cambria Math" panose="02040503050406030204" pitchFamily="18" charset="0"/>
+                        </a:rPr>
+                        <m:t>(</m:t>
+                      </m:r>
+                      <m:acc>
+                        <m:accPr>
+                          <m:chr m:val="̅"/>
                           <m:ctrlPr>
                             <a:rPr lang="en-US" b="1" i="1">
                               <a:latin typeface="Cambria Math" panose="02040503050406030204" pitchFamily="18" charset="0"/>
                             </a:rPr>
                           </m:ctrlPr>
-                        </m:sSubPr>
+                        </m:accPr>
                         <m:e>
-                          <m:r>
-                            <a:rPr lang="en-US" b="0" i="1" smtClean="0">
-                              <a:latin typeface="Cambria Math" panose="02040503050406030204" pitchFamily="18" charset="0"/>
-                            </a:rPr>
-                            <m:t>𝑓</m:t>
-                          </m:r>
-                          <m:r>
-                            <a:rPr lang="en-US" b="0" i="1" smtClean="0">
-                              <a:latin typeface="Cambria Math" panose="02040503050406030204" pitchFamily="18" charset="0"/>
-                            </a:rPr>
-                            <m:t>(</m:t>
-                          </m:r>
                           <m:r>
                             <a:rPr lang="en-US" b="1" i="1">
                               <a:latin typeface="Cambria Math" panose="02040503050406030204" pitchFamily="18" charset="0"/>
@@ -29774,15 +30446,7 @@
                             <m:t>𝒙</m:t>
                           </m:r>
                         </m:e>
-                        <m:sub>
-                          <m:r>
-                            <a:rPr lang="en-US" b="1" i="1">
-                              <a:latin typeface="Cambria Math" panose="02040503050406030204" pitchFamily="18" charset="0"/>
-                            </a:rPr>
-                            <m:t>𝟎</m:t>
-                          </m:r>
-                        </m:sub>
-                      </m:sSub>
+                      </m:acc>
                       <m:r>
                         <a:rPr lang="en-US" b="0" i="1" smtClean="0">
                           <a:latin typeface="Cambria Math" panose="02040503050406030204" pitchFamily="18" charset="0"/>
@@ -29814,8 +30478,8 @@
             </p:nvSpPr>
             <p:spPr>
               <a:xfrm>
-                <a:off x="3196483" y="6139709"/>
-                <a:ext cx="1807161" cy="276999"/>
+                <a:off x="3597079" y="6043914"/>
+                <a:ext cx="1693092" cy="276999"/>
               </a:xfrm>
               <a:prstGeom prst="rect">
                 <a:avLst/>
@@ -29823,7 +30487,7 @@
               <a:blipFill>
                 <a:blip r:embed="rId9"/>
                 <a:stretch>
-                  <a:fillRect l="-2083" r="-3472" b="-39130"/>
+                  <a:fillRect l="-2985" r="-3731" b="-39130"/>
                 </a:stretch>
               </a:blipFill>
             </p:spPr>
@@ -31611,7 +32275,7 @@
             <p:spPr>
               <a:xfrm>
                 <a:off x="353584" y="3734800"/>
-                <a:ext cx="3037435" cy="720647"/>
+                <a:ext cx="2583592" cy="682687"/>
               </a:xfrm>
               <a:prstGeom prst="rect">
                 <a:avLst/>
@@ -31653,14 +32317,15 @@
                         </a:rPr>
                         <m:t>≈</m:t>
                       </m:r>
-                      <m:sSub>
-                        <m:sSubPr>
+                      <m:acc>
+                        <m:accPr>
+                          <m:chr m:val="̅"/>
                           <m:ctrlPr>
                             <a:rPr lang="en-US" sz="2000" b="1" i="1" smtClean="0">
                               <a:latin typeface="Cambria Math" panose="02040503050406030204" pitchFamily="18" charset="0"/>
                             </a:rPr>
                           </m:ctrlPr>
-                        </m:sSubPr>
+                        </m:accPr>
                         <m:e>
                           <m:acc>
                             <m:accPr>
@@ -31681,15 +32346,7 @@
                             </m:e>
                           </m:acc>
                         </m:e>
-                        <m:sub>
-                          <m:r>
-                            <a:rPr lang="en-US" sz="2000" b="0" i="1" smtClean="0">
-                              <a:latin typeface="Cambria Math" panose="02040503050406030204" pitchFamily="18" charset="0"/>
-                            </a:rPr>
-                            <m:t>0</m:t>
-                          </m:r>
-                        </m:sub>
-                      </m:sSub>
+                      </m:acc>
                       <m:r>
                         <a:rPr lang="en-US" sz="2000" b="1" i="1" smtClean="0">
                           <a:latin typeface="Cambria Math" panose="02040503050406030204" pitchFamily="18" charset="0"/>
@@ -31775,31 +32432,24 @@
                           </m:d>
                         </m:e>
                         <m:sub>
-                          <m:sSub>
-                            <m:sSubPr>
+                          <m:acc>
+                            <m:accPr>
+                              <m:chr m:val="̅"/>
                               <m:ctrlPr>
-                                <a:rPr lang="en-US" sz="2000" b="1" i="1" smtClean="0">
+                                <a:rPr lang="en-US" sz="2000" b="1" i="1">
                                   <a:latin typeface="Cambria Math" panose="02040503050406030204" pitchFamily="18" charset="0"/>
                                 </a:rPr>
                               </m:ctrlPr>
-                            </m:sSubPr>
+                            </m:accPr>
                             <m:e>
                               <m:r>
-                                <a:rPr lang="en-US" sz="2000" b="1" i="1" smtClean="0">
+                                <a:rPr lang="en-US" sz="2000" b="1" i="1">
                                   <a:latin typeface="Cambria Math" panose="02040503050406030204" pitchFamily="18" charset="0"/>
                                 </a:rPr>
                                 <m:t>𝒙</m:t>
                               </m:r>
                             </m:e>
-                            <m:sub>
-                              <m:r>
-                                <a:rPr lang="en-US" sz="2000" b="1" i="1" smtClean="0">
-                                  <a:latin typeface="Cambria Math" panose="02040503050406030204" pitchFamily="18" charset="0"/>
-                                </a:rPr>
-                                <m:t>𝟎</m:t>
-                              </m:r>
-                            </m:sub>
-                          </m:sSub>
+                          </m:acc>
                         </m:sub>
                       </m:sSub>
                       <m:r>
@@ -31820,31 +32470,24 @@
                         </a:rPr>
                         <m:t>−</m:t>
                       </m:r>
-                      <m:sSub>
-                        <m:sSubPr>
+                      <m:acc>
+                        <m:accPr>
+                          <m:chr m:val="̅"/>
                           <m:ctrlPr>
-                            <a:rPr lang="en-US" sz="2000" b="1" i="1" smtClean="0">
+                            <a:rPr lang="en-US" sz="2000" b="1" i="1">
                               <a:latin typeface="Cambria Math" panose="02040503050406030204" pitchFamily="18" charset="0"/>
                             </a:rPr>
                           </m:ctrlPr>
-                        </m:sSubPr>
+                        </m:accPr>
                         <m:e>
                           <m:r>
-                            <a:rPr lang="en-US" sz="2000" b="1" i="1" smtClean="0">
+                            <a:rPr lang="en-US" sz="2000" b="1" i="1">
                               <a:latin typeface="Cambria Math" panose="02040503050406030204" pitchFamily="18" charset="0"/>
                             </a:rPr>
                             <m:t>𝒙</m:t>
                           </m:r>
                         </m:e>
-                        <m:sub>
-                          <m:r>
-                            <a:rPr lang="en-US" sz="2000" b="0" i="1" smtClean="0">
-                              <a:latin typeface="Cambria Math" panose="02040503050406030204" pitchFamily="18" charset="0"/>
-                            </a:rPr>
-                            <m:t>0</m:t>
-                          </m:r>
-                        </m:sub>
-                      </m:sSub>
+                      </m:acc>
                       <m:r>
                         <a:rPr lang="en-US" sz="2000" b="1" i="1" smtClean="0">
                           <a:latin typeface="Cambria Math" panose="02040503050406030204" pitchFamily="18" charset="0"/>
@@ -31877,7 +32520,7 @@
             <p:spPr>
               <a:xfrm>
                 <a:off x="353584" y="3734800"/>
-                <a:ext cx="3037435" cy="720647"/>
+                <a:ext cx="2583592" cy="682687"/>
               </a:xfrm>
               <a:prstGeom prst="rect">
                 <a:avLst/>
@@ -31885,7 +32528,7 @@
               <a:blipFill>
                 <a:blip r:embed="rId9"/>
                 <a:stretch>
-                  <a:fillRect t="-121053" b="-185965"/>
+                  <a:fillRect t="-127778" b="-201852"/>
                 </a:stretch>
               </a:blipFill>
             </p:spPr>
@@ -32948,405 +33591,6 @@
           </p:sp>
         </mc:Fallback>
       </mc:AlternateContent>
-      <mc:AlternateContent xmlns:mc="http://schemas.openxmlformats.org/markup-compatibility/2006">
-        <mc:Choice xmlns:a14="http://schemas.microsoft.com/office/drawing/2010/main" Requires="a14">
-          <p:sp>
-            <p:nvSpPr>
-              <p:cNvPr id="56" name="Rectangle 55">
-                <a:extLst>
-                  <a:ext uri="{FF2B5EF4-FFF2-40B4-BE49-F238E27FC236}">
-                    <a16:creationId xmlns:a16="http://schemas.microsoft.com/office/drawing/2014/main" id="{B80EA662-2686-DF4D-819D-4D7261CE9BF0}"/>
-                  </a:ext>
-                </a:extLst>
-              </p:cNvPr>
-              <p:cNvSpPr/>
-              <p:nvPr/>
-            </p:nvSpPr>
-            <p:spPr>
-              <a:xfrm>
-                <a:off x="3959385" y="3702291"/>
-                <a:ext cx="4254754" cy="779124"/>
-              </a:xfrm>
-              <a:prstGeom prst="rect">
-                <a:avLst/>
-              </a:prstGeom>
-            </p:spPr>
-            <p:txBody>
-              <a:bodyPr wrap="none">
-                <a:spAutoFit/>
-              </a:bodyPr>
-              <a:lstStyle/>
-              <a:p>
-                <a14:m>
-                  <m:oMathPara xmlns:m="http://schemas.openxmlformats.org/officeDocument/2006/math">
-                    <m:oMathParaPr>
-                      <m:jc m:val="centerGroup"/>
-                    </m:oMathParaPr>
-                    <m:oMath xmlns:m="http://schemas.openxmlformats.org/officeDocument/2006/math">
-                      <m:r>
-                        <a:rPr lang="en-US" sz="2000" b="1" i="1" smtClean="0">
-                          <a:latin typeface="Cambria Math" panose="02040503050406030204" pitchFamily="18" charset="0"/>
-                        </a:rPr>
-                        <m:t>𝒙</m:t>
-                      </m:r>
-                      <m:r>
-                        <a:rPr lang="en-US" sz="2000" b="1" i="1" smtClean="0">
-                          <a:latin typeface="Cambria Math" panose="02040503050406030204" pitchFamily="18" charset="0"/>
-                        </a:rPr>
-                        <m:t>(</m:t>
-                      </m:r>
-                      <m:r>
-                        <a:rPr lang="en-US" sz="2000" b="0" i="1" smtClean="0">
-                          <a:latin typeface="Cambria Math" panose="02040503050406030204" pitchFamily="18" charset="0"/>
-                        </a:rPr>
-                        <m:t>𝑡</m:t>
-                      </m:r>
-                      <m:r>
-                        <a:rPr lang="en-US" sz="2000" b="1" i="1" smtClean="0">
-                          <a:latin typeface="Cambria Math" panose="02040503050406030204" pitchFamily="18" charset="0"/>
-                        </a:rPr>
-                        <m:t>)≈</m:t>
-                      </m:r>
-                      <m:r>
-                        <a:rPr lang="en-US" sz="2000" b="1" i="1" smtClean="0">
-                          <a:latin typeface="Cambria Math" panose="02040503050406030204" pitchFamily="18" charset="0"/>
-                        </a:rPr>
-                        <m:t>𝒙</m:t>
-                      </m:r>
-                      <m:d>
-                        <m:dPr>
-                          <m:ctrlPr>
-                            <a:rPr lang="en-US" sz="2000" b="1" i="1" smtClean="0">
-                              <a:latin typeface="Cambria Math" panose="02040503050406030204" pitchFamily="18" charset="0"/>
-                            </a:rPr>
-                          </m:ctrlPr>
-                        </m:dPr>
-                        <m:e>
-                          <m:sSub>
-                            <m:sSubPr>
-                              <m:ctrlPr>
-                                <a:rPr lang="en-US" sz="2000" b="1" i="1" smtClean="0">
-                                  <a:latin typeface="Cambria Math" panose="02040503050406030204" pitchFamily="18" charset="0"/>
-                                </a:rPr>
-                              </m:ctrlPr>
-                            </m:sSubPr>
-                            <m:e>
-                              <m:r>
-                                <a:rPr lang="en-US" sz="2000" b="1" i="1" smtClean="0">
-                                  <a:latin typeface="Cambria Math" panose="02040503050406030204" pitchFamily="18" charset="0"/>
-                                </a:rPr>
-                                <m:t>𝒙</m:t>
-                              </m:r>
-                            </m:e>
-                            <m:sub>
-                              <m:r>
-                                <a:rPr lang="en-US" sz="2000" b="1" i="1" smtClean="0">
-                                  <a:latin typeface="Cambria Math" panose="02040503050406030204" pitchFamily="18" charset="0"/>
-                                </a:rPr>
-                                <m:t>𝟎</m:t>
-                              </m:r>
-                            </m:sub>
-                          </m:sSub>
-                        </m:e>
-                      </m:d>
-                      <m:r>
-                        <a:rPr lang="en-US" sz="2000" b="1" i="1" smtClean="0">
-                          <a:latin typeface="Cambria Math" panose="02040503050406030204" pitchFamily="18" charset="0"/>
-                        </a:rPr>
-                        <m:t>+</m:t>
-                      </m:r>
-                      <m:nary>
-                        <m:naryPr>
-                          <m:ctrlPr>
-                            <a:rPr lang="en-US" sz="2000" b="1" i="1" smtClean="0">
-                              <a:latin typeface="Cambria Math" panose="02040503050406030204" pitchFamily="18" charset="0"/>
-                            </a:rPr>
-                          </m:ctrlPr>
-                        </m:naryPr>
-                        <m:sub>
-                          <m:r>
-                            <a:rPr lang="en-US" sz="2000" b="0" i="1" smtClean="0">
-                              <a:latin typeface="Cambria Math" panose="02040503050406030204" pitchFamily="18" charset="0"/>
-                            </a:rPr>
-                            <m:t>0</m:t>
-                          </m:r>
-                        </m:sub>
-                        <m:sup>
-                          <m:r>
-                            <a:rPr lang="en-US" sz="2000" b="0" i="1" smtClean="0">
-                              <a:latin typeface="Cambria Math" panose="02040503050406030204" pitchFamily="18" charset="0"/>
-                            </a:rPr>
-                            <m:t>𝑡</m:t>
-                          </m:r>
-                        </m:sup>
-                        <m:e>
-                          <m:f>
-                            <m:fPr>
-                              <m:ctrlPr>
-                                <a:rPr lang="en-US" sz="2000" b="1" i="1">
-                                  <a:latin typeface="Cambria Math" panose="02040503050406030204" pitchFamily="18" charset="0"/>
-                                </a:rPr>
-                              </m:ctrlPr>
-                            </m:fPr>
-                            <m:num>
-                              <m:r>
-                                <a:rPr lang="en-US" sz="2000" i="1">
-                                  <a:latin typeface="Cambria Math" panose="02040503050406030204" pitchFamily="18" charset="0"/>
-                                </a:rPr>
-                                <m:t>𝜕</m:t>
-                              </m:r>
-                              <m:acc>
-                                <m:accPr>
-                                  <m:chr m:val="̇"/>
-                                  <m:ctrlPr>
-                                    <a:rPr lang="en-US" sz="2000" b="1" i="1">
-                                      <a:latin typeface="Cambria Math" panose="02040503050406030204" pitchFamily="18" charset="0"/>
-                                    </a:rPr>
-                                  </m:ctrlPr>
-                                </m:accPr>
-                                <m:e>
-                                  <m:r>
-                                    <a:rPr lang="en-US" sz="2000" b="1" i="1">
-                                      <a:latin typeface="Cambria Math" panose="02040503050406030204" pitchFamily="18" charset="0"/>
-                                    </a:rPr>
-                                    <m:t>𝒙</m:t>
-                                  </m:r>
-                                </m:e>
-                              </m:acc>
-                            </m:num>
-                            <m:den>
-                              <m:r>
-                                <a:rPr lang="en-US" sz="2000" i="1">
-                                  <a:latin typeface="Cambria Math" panose="02040503050406030204" pitchFamily="18" charset="0"/>
-                                </a:rPr>
-                                <m:t>𝜕</m:t>
-                              </m:r>
-                              <m:r>
-                                <a:rPr lang="en-US" sz="2000" b="1" i="1">
-                                  <a:latin typeface="Cambria Math" panose="02040503050406030204" pitchFamily="18" charset="0"/>
-                                </a:rPr>
-                                <m:t>𝒙</m:t>
-                              </m:r>
-                            </m:den>
-                          </m:f>
-                          <m:sSub>
-                            <m:sSubPr>
-                              <m:ctrlPr>
-                                <a:rPr lang="en-US" sz="2000" i="1">
-                                  <a:latin typeface="Cambria Math" panose="02040503050406030204" pitchFamily="18" charset="0"/>
-                                </a:rPr>
-                              </m:ctrlPr>
-                            </m:sSubPr>
-                            <m:e>
-                              <m:d>
-                                <m:dPr>
-                                  <m:begChr m:val=""/>
-                                  <m:endChr m:val="|"/>
-                                  <m:ctrlPr>
-                                    <a:rPr lang="en-US" sz="2000" i="1">
-                                      <a:latin typeface="Cambria Math" panose="02040503050406030204" pitchFamily="18" charset="0"/>
-                                    </a:rPr>
-                                  </m:ctrlPr>
-                                </m:dPr>
-                                <m:e>
-                                  <m:r>
-                                    <a:rPr lang="en-US" sz="2000" b="1" i="1">
-                                      <a:latin typeface="Cambria Math" panose="02040503050406030204" pitchFamily="18" charset="0"/>
-                                    </a:rPr>
-                                    <m:t>​</m:t>
-                                  </m:r>
-                                </m:e>
-                              </m:d>
-                            </m:e>
-                            <m:sub>
-                              <m:sSub>
-                                <m:sSubPr>
-                                  <m:ctrlPr>
-                                    <a:rPr lang="en-US" sz="2000" b="1" i="1">
-                                      <a:latin typeface="Cambria Math" panose="02040503050406030204" pitchFamily="18" charset="0"/>
-                                    </a:rPr>
-                                  </m:ctrlPr>
-                                </m:sSubPr>
-                                <m:e>
-                                  <m:r>
-                                    <a:rPr lang="en-US" sz="2000" b="1" i="1">
-                                      <a:latin typeface="Cambria Math" panose="02040503050406030204" pitchFamily="18" charset="0"/>
-                                    </a:rPr>
-                                    <m:t>𝒙</m:t>
-                                  </m:r>
-                                </m:e>
-                                <m:sub>
-                                  <m:r>
-                                    <a:rPr lang="en-US" sz="2000" i="1">
-                                      <a:latin typeface="Cambria Math" panose="02040503050406030204" pitchFamily="18" charset="0"/>
-                                    </a:rPr>
-                                    <m:t>0</m:t>
-                                  </m:r>
-                                </m:sub>
-                              </m:sSub>
-                            </m:sub>
-                          </m:sSub>
-                          <m:r>
-                            <a:rPr lang="en-US" sz="2000">
-                              <a:latin typeface="Cambria Math" panose="02040503050406030204" pitchFamily="18" charset="0"/>
-                            </a:rPr>
-                            <m:t>(</m:t>
-                          </m:r>
-                          <m:r>
-                            <a:rPr lang="en-US" sz="2000" b="1" i="1">
-                              <a:latin typeface="Cambria Math" panose="02040503050406030204" pitchFamily="18" charset="0"/>
-                            </a:rPr>
-                            <m:t>𝒙</m:t>
-                          </m:r>
-                          <m:r>
-                            <a:rPr lang="en-US" sz="2000" i="1">
-                              <a:latin typeface="Cambria Math" panose="02040503050406030204" pitchFamily="18" charset="0"/>
-                            </a:rPr>
-                            <m:t>(</m:t>
-                          </m:r>
-                          <m:r>
-                            <a:rPr lang="en-US" sz="2000" i="1">
-                              <a:latin typeface="Cambria Math" panose="02040503050406030204" pitchFamily="18" charset="0"/>
-                            </a:rPr>
-                            <m:t>𝑡</m:t>
-                          </m:r>
-                          <m:r>
-                            <a:rPr lang="en-US" sz="2000" i="1">
-                              <a:latin typeface="Cambria Math" panose="02040503050406030204" pitchFamily="18" charset="0"/>
-                            </a:rPr>
-                            <m:t>)</m:t>
-                          </m:r>
-                          <m:r>
-                            <a:rPr lang="en-US" sz="2000" b="1" i="1">
-                              <a:latin typeface="Cambria Math" panose="02040503050406030204" pitchFamily="18" charset="0"/>
-                            </a:rPr>
-                            <m:t>−</m:t>
-                          </m:r>
-                          <m:sSub>
-                            <m:sSubPr>
-                              <m:ctrlPr>
-                                <a:rPr lang="en-US" sz="2000" b="1" i="1">
-                                  <a:latin typeface="Cambria Math" panose="02040503050406030204" pitchFamily="18" charset="0"/>
-                                </a:rPr>
-                              </m:ctrlPr>
-                            </m:sSubPr>
-                            <m:e>
-                              <m:r>
-                                <a:rPr lang="en-US" sz="2000" b="1" i="1">
-                                  <a:latin typeface="Cambria Math" panose="02040503050406030204" pitchFamily="18" charset="0"/>
-                                </a:rPr>
-                                <m:t>𝒙</m:t>
-                              </m:r>
-                            </m:e>
-                            <m:sub>
-                              <m:r>
-                                <a:rPr lang="en-US" sz="2000" i="1">
-                                  <a:latin typeface="Cambria Math" panose="02040503050406030204" pitchFamily="18" charset="0"/>
-                                </a:rPr>
-                                <m:t>0</m:t>
-                              </m:r>
-                            </m:sub>
-                          </m:sSub>
-                          <m:r>
-                            <a:rPr lang="en-US" sz="2000" b="1" i="1">
-                              <a:latin typeface="Cambria Math" panose="02040503050406030204" pitchFamily="18" charset="0"/>
-                            </a:rPr>
-                            <m:t>)</m:t>
-                          </m:r>
-                        </m:e>
-                      </m:nary>
-                    </m:oMath>
-                  </m:oMathPara>
-                </a14:m>
-                <a:endParaRPr lang="en-US" sz="2000" dirty="0"/>
-              </a:p>
-            </p:txBody>
-          </p:sp>
-        </mc:Choice>
-        <mc:Fallback>
-          <p:sp>
-            <p:nvSpPr>
-              <p:cNvPr id="56" name="Rectangle 55">
-                <a:extLst>
-                  <a:ext uri="{FF2B5EF4-FFF2-40B4-BE49-F238E27FC236}">
-                    <a16:creationId xmlns:a16="http://schemas.microsoft.com/office/drawing/2014/main" id="{B80EA662-2686-DF4D-819D-4D7261CE9BF0}"/>
-                  </a:ext>
-                </a:extLst>
-              </p:cNvPr>
-              <p:cNvSpPr>
-                <a:spLocks noRot="1" noChangeAspect="1" noMove="1" noResize="1" noEditPoints="1" noAdjustHandles="1" noChangeArrowheads="1" noChangeShapeType="1" noTextEdit="1"/>
-              </p:cNvSpPr>
-              <p:nvPr/>
-            </p:nvSpPr>
-            <p:spPr>
-              <a:xfrm>
-                <a:off x="3959385" y="3702291"/>
-                <a:ext cx="4254754" cy="779124"/>
-              </a:xfrm>
-              <a:prstGeom prst="rect">
-                <a:avLst/>
-              </a:prstGeom>
-              <a:blipFill>
-                <a:blip r:embed="rId12"/>
-                <a:stretch>
-                  <a:fillRect t="-154839" b="-233871"/>
-                </a:stretch>
-              </a:blipFill>
-            </p:spPr>
-            <p:txBody>
-              <a:bodyPr/>
-              <a:lstStyle/>
-              <a:p>
-                <a:r>
-                  <a:rPr lang="en-US">
-                    <a:noFill/>
-                  </a:rPr>
-                  <a:t> </a:t>
-                </a:r>
-              </a:p>
-            </p:txBody>
-          </p:sp>
-        </mc:Fallback>
-      </mc:AlternateContent>
-      <p:sp>
-        <p:nvSpPr>
-          <p:cNvPr id="15" name="TextBox 14">
-            <a:extLst>
-              <a:ext uri="{FF2B5EF4-FFF2-40B4-BE49-F238E27FC236}">
-                <a16:creationId xmlns:a16="http://schemas.microsoft.com/office/drawing/2014/main" id="{8BCEED6A-C40C-B946-A66E-D2F37BC813AA}"/>
-              </a:ext>
-            </a:extLst>
-          </p:cNvPr>
-          <p:cNvSpPr txBox="1"/>
-          <p:nvPr/>
-        </p:nvSpPr>
-        <p:spPr>
-          <a:xfrm>
-            <a:off x="3584440" y="4698168"/>
-            <a:ext cx="1107996" cy="369332"/>
-          </a:xfrm>
-          <a:prstGeom prst="rect">
-            <a:avLst/>
-          </a:prstGeom>
-          <a:noFill/>
-        </p:spPr>
-        <p:txBody>
-          <a:bodyPr wrap="none" rtlCol="0">
-            <a:spAutoFit/>
-          </a:bodyPr>
-          <a:lstStyle/>
-          <a:p>
-            <a:r>
-              <a:rPr lang="en-US" dirty="0">
-                <a:solidFill>
-                  <a:srgbClr val="FF0000"/>
-                </a:solidFill>
-              </a:rPr>
-              <a:t>Jacobian</a:t>
-            </a:r>
-          </a:p>
-        </p:txBody>
-      </p:sp>
       <p:cxnSp>
         <p:nvCxnSpPr>
           <p:cNvPr id="17" name="Straight Arrow Connector 16">
@@ -33357,15 +33601,15 @@
             </a:extLst>
           </p:cNvPr>
           <p:cNvCxnSpPr>
-            <a:stCxn id="15" idx="0"/>
+            <a:cxnSpLocks/>
             <a:endCxn id="12" idx="2"/>
           </p:cNvCxnSpPr>
           <p:nvPr/>
         </p:nvCxnSpPr>
         <p:spPr>
           <a:xfrm flipH="1" flipV="1">
-            <a:off x="1872302" y="4455447"/>
-            <a:ext cx="2266136" cy="242721"/>
+            <a:off x="1645380" y="4417487"/>
+            <a:ext cx="1671823" cy="577997"/>
           </a:xfrm>
           <a:prstGeom prst="straightConnector1">
             <a:avLst/>
@@ -33403,15 +33647,14 @@
           </p:cNvPr>
           <p:cNvCxnSpPr>
             <a:cxnSpLocks/>
-            <a:stCxn id="15" idx="0"/>
-            <a:endCxn id="56" idx="2"/>
+            <a:endCxn id="65" idx="2"/>
           </p:cNvCxnSpPr>
           <p:nvPr/>
         </p:nvCxnSpPr>
         <p:spPr>
           <a:xfrm flipV="1">
-            <a:off x="4138438" y="4481415"/>
-            <a:ext cx="1948324" cy="216753"/>
+            <a:off x="3303254" y="4421346"/>
+            <a:ext cx="1112183" cy="577374"/>
           </a:xfrm>
           <a:prstGeom prst="straightConnector1">
             <a:avLst/>
@@ -33455,7 +33698,7 @@
             <p:spPr>
               <a:xfrm>
                 <a:off x="1502544" y="2594677"/>
-                <a:ext cx="1201291" cy="993605"/>
+                <a:ext cx="1107867" cy="992708"/>
               </a:xfrm>
               <a:prstGeom prst="rect">
                 <a:avLst/>
@@ -33473,14 +33716,15 @@
                       <m:jc m:val="centerGroup"/>
                     </m:oMathParaPr>
                     <m:oMath xmlns:m="http://schemas.openxmlformats.org/officeDocument/2006/math">
-                      <m:sSub>
-                        <m:sSubPr>
+                      <m:acc>
+                        <m:accPr>
+                          <m:chr m:val="̅"/>
                           <m:ctrlPr>
-                            <a:rPr lang="en-US" b="1" i="1" smtClean="0">
+                            <a:rPr lang="en-US" b="1" i="1">
                               <a:latin typeface="Cambria Math" panose="02040503050406030204" pitchFamily="18" charset="0"/>
                             </a:rPr>
                           </m:ctrlPr>
-                        </m:sSubPr>
+                        </m:accPr>
                         <m:e>
                           <m:r>
                             <a:rPr lang="en-US" b="1" i="1">
@@ -33489,15 +33733,7 @@
                             <m:t>𝒙</m:t>
                           </m:r>
                         </m:e>
-                        <m:sub>
-                          <m:r>
-                            <a:rPr lang="en-US" b="1" i="1">
-                              <a:latin typeface="Cambria Math" panose="02040503050406030204" pitchFamily="18" charset="0"/>
-                            </a:rPr>
-                            <m:t>𝟎</m:t>
-                          </m:r>
-                        </m:sub>
-                      </m:sSub>
+                      </m:acc>
                       <m:r>
                         <a:rPr lang="en-US" b="1" i="1" smtClean="0">
                           <a:latin typeface="Cambria Math" panose="02040503050406030204" pitchFamily="18" charset="0"/>
@@ -33683,13 +33919,13 @@
             <p:spPr>
               <a:xfrm>
                 <a:off x="1502544" y="2594677"/>
-                <a:ext cx="1201291" cy="993605"/>
+                <a:ext cx="1107867" cy="992708"/>
               </a:xfrm>
               <a:prstGeom prst="rect">
                 <a:avLst/>
               </a:prstGeom>
               <a:blipFill>
-                <a:blip r:embed="rId13"/>
+                <a:blip r:embed="rId12"/>
                 <a:stretch>
                   <a:fillRect b="-2532"/>
                 </a:stretch>
@@ -33726,8 +33962,8 @@
             </p:nvSpPr>
             <p:spPr>
               <a:xfrm>
-                <a:off x="3734516" y="6129840"/>
-                <a:ext cx="2654958" cy="499560"/>
+                <a:off x="6044426" y="4574499"/>
+                <a:ext cx="1199046" cy="623825"/>
               </a:xfrm>
               <a:prstGeom prst="rect">
                 <a:avLst/>
@@ -33740,212 +33976,124 @@
               <a:lstStyle/>
               <a:p>
                 <a14:m>
-                  <m:oMath xmlns:m="http://schemas.openxmlformats.org/officeDocument/2006/math">
-                    <m:r>
-                      <a:rPr lang="en-US" b="1" i="1" smtClean="0">
-                        <a:latin typeface="Cambria Math" panose="02040503050406030204" pitchFamily="18" charset="0"/>
-                      </a:rPr>
-                      <m:t>𝑨</m:t>
-                    </m:r>
-                    <m:r>
-                      <a:rPr lang="en-US" b="1" i="1" smtClean="0">
-                        <a:latin typeface="Cambria Math" panose="02040503050406030204" pitchFamily="18" charset="0"/>
-                      </a:rPr>
-                      <m:t>=</m:t>
-                    </m:r>
-                    <m:f>
-                      <m:fPr>
-                        <m:ctrlPr>
-                          <a:rPr lang="en-US" b="1" i="1">
-                            <a:latin typeface="Cambria Math" panose="02040503050406030204" pitchFamily="18" charset="0"/>
-                          </a:rPr>
-                        </m:ctrlPr>
-                      </m:fPr>
-                      <m:num>
-                        <m:r>
-                          <a:rPr lang="en-US" i="1">
-                            <a:latin typeface="Cambria Math" panose="02040503050406030204" pitchFamily="18" charset="0"/>
-                          </a:rPr>
-                          <m:t>𝜕</m:t>
-                        </m:r>
-                        <m:acc>
-                          <m:accPr>
-                            <m:chr m:val="̇"/>
-                            <m:ctrlPr>
-                              <a:rPr lang="en-US" b="1" i="1">
-                                <a:latin typeface="Cambria Math" panose="02040503050406030204" pitchFamily="18" charset="0"/>
-                              </a:rPr>
-                            </m:ctrlPr>
-                          </m:accPr>
-                          <m:e>
-                            <m:r>
-                              <a:rPr lang="en-US" b="1" i="1">
-                                <a:latin typeface="Cambria Math" panose="02040503050406030204" pitchFamily="18" charset="0"/>
-                              </a:rPr>
-                              <m:t>𝒙</m:t>
-                            </m:r>
-                          </m:e>
-                        </m:acc>
-                      </m:num>
-                      <m:den>
-                        <m:r>
-                          <a:rPr lang="en-US" i="1">
-                            <a:latin typeface="Cambria Math" panose="02040503050406030204" pitchFamily="18" charset="0"/>
-                          </a:rPr>
-                          <m:t>𝜕</m:t>
-                        </m:r>
-                        <m:r>
-                          <a:rPr lang="en-US" b="1" i="1">
-                            <a:latin typeface="Cambria Math" panose="02040503050406030204" pitchFamily="18" charset="0"/>
-                          </a:rPr>
-                          <m:t>𝒙</m:t>
-                        </m:r>
-                      </m:den>
-                    </m:f>
-                    <m:sSub>
-                      <m:sSubPr>
-                        <m:ctrlPr>
-                          <a:rPr lang="en-US" i="1">
-                            <a:latin typeface="Cambria Math" panose="02040503050406030204" pitchFamily="18" charset="0"/>
-                          </a:rPr>
-                        </m:ctrlPr>
-                      </m:sSubPr>
-                      <m:e>
-                        <m:d>
-                          <m:dPr>
-                            <m:begChr m:val=""/>
-                            <m:endChr m:val="|"/>
-                            <m:ctrlPr>
-                              <a:rPr lang="en-US" i="1">
-                                <a:latin typeface="Cambria Math" panose="02040503050406030204" pitchFamily="18" charset="0"/>
-                              </a:rPr>
-                            </m:ctrlPr>
-                          </m:dPr>
-                          <m:e>
-                            <m:r>
-                              <a:rPr lang="en-US" b="1" i="1">
-                                <a:latin typeface="Cambria Math" panose="02040503050406030204" pitchFamily="18" charset="0"/>
-                              </a:rPr>
-                              <m:t>​</m:t>
-                            </m:r>
-                          </m:e>
-                        </m:d>
-                      </m:e>
-                      <m:sub>
-                        <m:sSub>
-                          <m:sSubPr>
-                            <m:ctrlPr>
-                              <a:rPr lang="en-US" b="1" i="1">
-                                <a:latin typeface="Cambria Math" panose="02040503050406030204" pitchFamily="18" charset="0"/>
-                              </a:rPr>
-                            </m:ctrlPr>
-                          </m:sSubPr>
-                          <m:e>
-                            <m:r>
-                              <a:rPr lang="en-US" b="1" i="1">
-                                <a:latin typeface="Cambria Math" panose="02040503050406030204" pitchFamily="18" charset="0"/>
-                              </a:rPr>
-                              <m:t>𝒙</m:t>
-                            </m:r>
-                          </m:e>
-                          <m:sub>
-                            <m:r>
-                              <a:rPr lang="en-US" i="1">
-                                <a:latin typeface="Cambria Math" panose="02040503050406030204" pitchFamily="18" charset="0"/>
-                              </a:rPr>
-                              <m:t>0</m:t>
-                            </m:r>
-                          </m:sub>
-                        </m:sSub>
-                      </m:sub>
-                    </m:sSub>
-                  </m:oMath>
-                </a14:m>
-                <a:r>
-                  <a:rPr lang="en-US" dirty="0"/>
-                  <a:t>, </a:t>
-                </a:r>
-                <a14:m>
-                  <m:oMath xmlns:m="http://schemas.openxmlformats.org/officeDocument/2006/math">
-                    <m:acc>
-                      <m:accPr>
-                        <m:chr m:val="̃"/>
-                        <m:ctrlPr>
-                          <a:rPr lang="en-US" b="0" i="1" smtClean="0">
-                            <a:latin typeface="Cambria Math" panose="02040503050406030204" pitchFamily="18" charset="0"/>
-                          </a:rPr>
-                        </m:ctrlPr>
-                      </m:accPr>
-                      <m:e>
-                        <m:r>
-                          <a:rPr lang="en-US" b="1" i="1" smtClean="0">
-                            <a:latin typeface="Cambria Math" panose="02040503050406030204" pitchFamily="18" charset="0"/>
-                          </a:rPr>
-                          <m:t>𝒙</m:t>
-                        </m:r>
-                      </m:e>
-                    </m:acc>
-                    <m:r>
-                      <a:rPr lang="en-US" b="1" i="1" smtClean="0">
-                        <a:latin typeface="Cambria Math" panose="02040503050406030204" pitchFamily="18" charset="0"/>
-                      </a:rPr>
-                      <m:t>=</m:t>
-                    </m:r>
-                    <m:r>
-                      <a:rPr lang="en-US" b="1" i="1" smtClean="0">
-                        <a:latin typeface="Cambria Math" panose="02040503050406030204" pitchFamily="18" charset="0"/>
-                      </a:rPr>
-                      <m:t>𝒙</m:t>
-                    </m:r>
-                    <m:d>
-                      <m:dPr>
-                        <m:ctrlPr>
-                          <a:rPr lang="en-US" i="1" smtClean="0">
-                            <a:latin typeface="Cambria Math" panose="02040503050406030204" pitchFamily="18" charset="0"/>
-                          </a:rPr>
-                        </m:ctrlPr>
-                      </m:dPr>
-                      <m:e>
-                        <m:r>
-                          <a:rPr lang="en-US" b="0" i="1" smtClean="0">
-                            <a:latin typeface="Cambria Math" panose="02040503050406030204" pitchFamily="18" charset="0"/>
-                          </a:rPr>
-                          <m:t>𝑡</m:t>
-                        </m:r>
-                      </m:e>
-                    </m:d>
-                    <m:r>
-                      <a:rPr lang="en-US" b="1" i="1" smtClean="0">
-                        <a:latin typeface="Cambria Math" panose="02040503050406030204" pitchFamily="18" charset="0"/>
-                      </a:rPr>
-                      <m:t>−</m:t>
-                    </m:r>
-                    <m:sSub>
-                      <m:sSubPr>
-                        <m:ctrlPr>
-                          <a:rPr lang="en-US" b="1" i="1">
-                            <a:latin typeface="Cambria Math" panose="02040503050406030204" pitchFamily="18" charset="0"/>
-                          </a:rPr>
-                        </m:ctrlPr>
-                      </m:sSubPr>
-                      <m:e>
-                        <m:r>
-                          <a:rPr lang="en-US" b="1" i="1">
-                            <a:latin typeface="Cambria Math" panose="02040503050406030204" pitchFamily="18" charset="0"/>
-                          </a:rPr>
-                          <m:t>𝒙</m:t>
-                        </m:r>
-                      </m:e>
-                      <m:sub>
-                        <m:r>
-                          <a:rPr lang="en-US" i="1">
-                            <a:latin typeface="Cambria Math" panose="02040503050406030204" pitchFamily="18" charset="0"/>
-                          </a:rPr>
-                          <m:t>0</m:t>
-                        </m:r>
-                      </m:sub>
-                    </m:sSub>
-                  </m:oMath>
+                  <m:oMathPara xmlns:m="http://schemas.openxmlformats.org/officeDocument/2006/math">
+                    <m:oMathParaPr>
+                      <m:jc m:val="centerGroup"/>
+                    </m:oMathParaPr>
+                    <m:oMath xmlns:m="http://schemas.openxmlformats.org/officeDocument/2006/math">
+                      <m:r>
+                        <a:rPr lang="en-US" b="1" i="1" smtClean="0">
+                          <a:latin typeface="Cambria Math" panose="02040503050406030204" pitchFamily="18" charset="0"/>
+                        </a:rPr>
+                        <m:t>𝑨</m:t>
+                      </m:r>
+                      <m:r>
+                        <a:rPr lang="en-US" b="1" i="1" smtClean="0">
+                          <a:latin typeface="Cambria Math" panose="02040503050406030204" pitchFamily="18" charset="0"/>
+                        </a:rPr>
+                        <m:t>=</m:t>
+                      </m:r>
+                      <m:f>
+                        <m:fPr>
+                          <m:ctrlPr>
+                            <a:rPr lang="en-US" b="1" i="1">
+                              <a:latin typeface="Cambria Math" panose="02040503050406030204" pitchFamily="18" charset="0"/>
+                            </a:rPr>
+                          </m:ctrlPr>
+                        </m:fPr>
+                        <m:num>
+                          <m:r>
+                            <a:rPr lang="en-US" i="1">
+                              <a:latin typeface="Cambria Math" panose="02040503050406030204" pitchFamily="18" charset="0"/>
+                            </a:rPr>
+                            <m:t>𝜕</m:t>
+                          </m:r>
+                          <m:acc>
+                            <m:accPr>
+                              <m:chr m:val="̇"/>
+                              <m:ctrlPr>
+                                <a:rPr lang="en-US" b="1" i="1">
+                                  <a:latin typeface="Cambria Math" panose="02040503050406030204" pitchFamily="18" charset="0"/>
+                                </a:rPr>
+                              </m:ctrlPr>
+                            </m:accPr>
+                            <m:e>
+                              <m:r>
+                                <a:rPr lang="en-US" b="1" i="1">
+                                  <a:latin typeface="Cambria Math" panose="02040503050406030204" pitchFamily="18" charset="0"/>
+                                </a:rPr>
+                                <m:t>𝒙</m:t>
+                              </m:r>
+                            </m:e>
+                          </m:acc>
+                        </m:num>
+                        <m:den>
+                          <m:r>
+                            <a:rPr lang="en-US" i="1">
+                              <a:latin typeface="Cambria Math" panose="02040503050406030204" pitchFamily="18" charset="0"/>
+                            </a:rPr>
+                            <m:t>𝜕</m:t>
+                          </m:r>
+                          <m:r>
+                            <a:rPr lang="en-US" b="1" i="1">
+                              <a:latin typeface="Cambria Math" panose="02040503050406030204" pitchFamily="18" charset="0"/>
+                            </a:rPr>
+                            <m:t>𝒙</m:t>
+                          </m:r>
+                        </m:den>
+                      </m:f>
+                      <m:sSub>
+                        <m:sSubPr>
+                          <m:ctrlPr>
+                            <a:rPr lang="en-US" i="1">
+                              <a:latin typeface="Cambria Math" panose="02040503050406030204" pitchFamily="18" charset="0"/>
+                            </a:rPr>
+                          </m:ctrlPr>
+                        </m:sSubPr>
+                        <m:e>
+                          <m:d>
+                            <m:dPr>
+                              <m:begChr m:val=""/>
+                              <m:endChr m:val="|"/>
+                              <m:ctrlPr>
+                                <a:rPr lang="en-US" i="1">
+                                  <a:latin typeface="Cambria Math" panose="02040503050406030204" pitchFamily="18" charset="0"/>
+                                </a:rPr>
+                              </m:ctrlPr>
+                            </m:dPr>
+                            <m:e>
+                              <m:r>
+                                <a:rPr lang="en-US" b="1" i="1">
+                                  <a:latin typeface="Cambria Math" panose="02040503050406030204" pitchFamily="18" charset="0"/>
+                                </a:rPr>
+                                <m:t>​</m:t>
+                              </m:r>
+                            </m:e>
+                          </m:d>
+                        </m:e>
+                        <m:sub>
+                          <m:acc>
+                            <m:accPr>
+                              <m:chr m:val="̅"/>
+                              <m:ctrlPr>
+                                <a:rPr lang="en-US" b="1" i="1">
+                                  <a:latin typeface="Cambria Math" panose="02040503050406030204" pitchFamily="18" charset="0"/>
+                                </a:rPr>
+                              </m:ctrlPr>
+                            </m:accPr>
+                            <m:e>
+                              <m:r>
+                                <a:rPr lang="en-US" b="1" i="1">
+                                  <a:latin typeface="Cambria Math" panose="02040503050406030204" pitchFamily="18" charset="0"/>
+                                </a:rPr>
+                                <m:t>𝒙</m:t>
+                              </m:r>
+                            </m:e>
+                          </m:acc>
+                        </m:sub>
+                      </m:sSub>
+                    </m:oMath>
+                  </m:oMathPara>
                 </a14:m>
                 <a:endParaRPr lang="en-US" dirty="0"/>
               </a:p>
@@ -33969,16 +34117,16 @@
             </p:nvSpPr>
             <p:spPr>
               <a:xfrm>
-                <a:off x="3734516" y="6129840"/>
-                <a:ext cx="2654958" cy="499560"/>
+                <a:off x="6044426" y="4574499"/>
+                <a:ext cx="1199046" cy="623825"/>
               </a:xfrm>
               <a:prstGeom prst="rect">
                 <a:avLst/>
               </a:prstGeom>
               <a:blipFill>
-                <a:blip r:embed="rId14"/>
+                <a:blip r:embed="rId13"/>
                 <a:stretch>
-                  <a:fillRect t="-65854" b="-109756"/>
+                  <a:fillRect t="-126000" r="-36842" b="-196000"/>
                 </a:stretch>
               </a:blipFill>
             </p:spPr>
@@ -34013,7 +34161,7 @@
             </p:nvSpPr>
             <p:spPr>
               <a:xfrm>
-                <a:off x="3840211" y="5677677"/>
+                <a:off x="6150121" y="4122336"/>
                 <a:ext cx="926344" cy="326949"/>
               </a:xfrm>
               <a:prstGeom prst="rect">
@@ -34124,16 +34272,16 @@
             </p:nvSpPr>
             <p:spPr>
               <a:xfrm>
-                <a:off x="3840211" y="5677677"/>
+                <a:off x="6150121" y="4122336"/>
                 <a:ext cx="926344" cy="326949"/>
               </a:xfrm>
               <a:prstGeom prst="rect">
                 <a:avLst/>
               </a:prstGeom>
               <a:blipFill>
-                <a:blip r:embed="rId15"/>
+                <a:blip r:embed="rId14"/>
                 <a:stretch>
-                  <a:fillRect l="-4054" t="-7407" r="-2703" b="-37037"/>
+                  <a:fillRect l="-5405" t="-11111" r="-2703" b="-37037"/>
                 </a:stretch>
               </a:blipFill>
             </p:spPr>
@@ -34166,7 +34314,7 @@
         </p:nvSpPr>
         <p:spPr>
           <a:xfrm>
-            <a:off x="3714885" y="5288243"/>
+            <a:off x="6024795" y="3732902"/>
             <a:ext cx="1936749" cy="400110"/>
           </a:xfrm>
           <a:prstGeom prst="rect">
@@ -34185,6 +34333,427 @@
             <a:r>
               <a:rPr lang="en-US" sz="2000" b="1" dirty="0"/>
               <a:t>Linear System</a:t>
+            </a:r>
+          </a:p>
+        </p:txBody>
+      </p:sp>
+      <mc:AlternateContent xmlns:mc="http://schemas.openxmlformats.org/markup-compatibility/2006">
+        <mc:Choice xmlns:a14="http://schemas.microsoft.com/office/drawing/2010/main" Requires="a14">
+          <p:sp>
+            <p:nvSpPr>
+              <p:cNvPr id="65" name="Rectangle 64">
+                <a:extLst>
+                  <a:ext uri="{FF2B5EF4-FFF2-40B4-BE49-F238E27FC236}">
+                    <a16:creationId xmlns:a16="http://schemas.microsoft.com/office/drawing/2014/main" id="{BF0FB6D0-B190-B34C-A7DF-D4E0B502BA69}"/>
+                  </a:ext>
+                </a:extLst>
+              </p:cNvPr>
+              <p:cNvSpPr/>
+              <p:nvPr/>
+            </p:nvSpPr>
+            <p:spPr>
+              <a:xfrm>
+                <a:off x="3683281" y="3738659"/>
+                <a:ext cx="1464312" cy="682687"/>
+              </a:xfrm>
+              <a:prstGeom prst="rect">
+                <a:avLst/>
+              </a:prstGeom>
+            </p:spPr>
+            <p:txBody>
+              <a:bodyPr wrap="none">
+                <a:spAutoFit/>
+              </a:bodyPr>
+              <a:lstStyle/>
+              <a:p>
+                <a14:m>
+                  <m:oMathPara xmlns:m="http://schemas.openxmlformats.org/officeDocument/2006/math">
+                    <m:oMathParaPr>
+                      <m:jc m:val="centerGroup"/>
+                    </m:oMathParaPr>
+                    <m:oMath xmlns:m="http://schemas.openxmlformats.org/officeDocument/2006/math">
+                      <m:acc>
+                        <m:accPr>
+                          <m:chr m:val="̇"/>
+                          <m:ctrlPr>
+                            <a:rPr lang="en-US" sz="2000" b="1" i="1">
+                              <a:latin typeface="Cambria Math" panose="02040503050406030204" pitchFamily="18" charset="0"/>
+                            </a:rPr>
+                          </m:ctrlPr>
+                        </m:accPr>
+                        <m:e>
+                          <m:acc>
+                            <m:accPr>
+                              <m:chr m:val="̃"/>
+                              <m:ctrlPr>
+                                <a:rPr lang="en-US" sz="2000" b="1" i="1">
+                                  <a:latin typeface="Cambria Math" panose="02040503050406030204" pitchFamily="18" charset="0"/>
+                                </a:rPr>
+                              </m:ctrlPr>
+                            </m:accPr>
+                            <m:e>
+                              <m:r>
+                                <a:rPr lang="en-US" sz="2000" b="1" i="1">
+                                  <a:latin typeface="Cambria Math" panose="02040503050406030204" pitchFamily="18" charset="0"/>
+                                </a:rPr>
+                                <m:t>𝒙</m:t>
+                              </m:r>
+                            </m:e>
+                          </m:acc>
+                        </m:e>
+                      </m:acc>
+                      <m:r>
+                        <a:rPr lang="en-US" sz="2000" b="1" i="1" smtClean="0">
+                          <a:latin typeface="Cambria Math" panose="02040503050406030204" pitchFamily="18" charset="0"/>
+                        </a:rPr>
+                        <m:t>≈</m:t>
+                      </m:r>
+                      <m:f>
+                        <m:fPr>
+                          <m:ctrlPr>
+                            <a:rPr lang="en-US" sz="2000" b="1" i="1" smtClean="0">
+                              <a:latin typeface="Cambria Math" panose="02040503050406030204" pitchFamily="18" charset="0"/>
+                            </a:rPr>
+                          </m:ctrlPr>
+                        </m:fPr>
+                        <m:num>
+                          <m:r>
+                            <a:rPr lang="en-US" sz="2000" b="0" i="1" smtClean="0">
+                              <a:latin typeface="Cambria Math" panose="02040503050406030204" pitchFamily="18" charset="0"/>
+                            </a:rPr>
+                            <m:t>𝜕</m:t>
+                          </m:r>
+                          <m:acc>
+                            <m:accPr>
+                              <m:chr m:val="̇"/>
+                              <m:ctrlPr>
+                                <a:rPr lang="en-US" sz="2000" b="1" i="1">
+                                  <a:latin typeface="Cambria Math" panose="02040503050406030204" pitchFamily="18" charset="0"/>
+                                </a:rPr>
+                              </m:ctrlPr>
+                            </m:accPr>
+                            <m:e>
+                              <m:r>
+                                <a:rPr lang="en-US" sz="2000" b="1" i="1">
+                                  <a:latin typeface="Cambria Math" panose="02040503050406030204" pitchFamily="18" charset="0"/>
+                                </a:rPr>
+                                <m:t>𝒙</m:t>
+                              </m:r>
+                            </m:e>
+                          </m:acc>
+                        </m:num>
+                        <m:den>
+                          <m:r>
+                            <a:rPr lang="en-US" sz="2000" b="0" i="1" smtClean="0">
+                              <a:latin typeface="Cambria Math" panose="02040503050406030204" pitchFamily="18" charset="0"/>
+                            </a:rPr>
+                            <m:t>𝜕</m:t>
+                          </m:r>
+                          <m:r>
+                            <a:rPr lang="en-US" sz="2000" b="1" i="1" smtClean="0">
+                              <a:latin typeface="Cambria Math" panose="02040503050406030204" pitchFamily="18" charset="0"/>
+                            </a:rPr>
+                            <m:t>𝒙</m:t>
+                          </m:r>
+                        </m:den>
+                      </m:f>
+                      <m:sSub>
+                        <m:sSubPr>
+                          <m:ctrlPr>
+                            <a:rPr lang="en-US" sz="2000" b="0" i="0" smtClean="0">
+                              <a:latin typeface="Cambria Math" panose="02040503050406030204" pitchFamily="18" charset="0"/>
+                            </a:rPr>
+                          </m:ctrlPr>
+                        </m:sSubPr>
+                        <m:e>
+                          <m:d>
+                            <m:dPr>
+                              <m:begChr m:val=""/>
+                              <m:endChr m:val="|"/>
+                              <m:ctrlPr>
+                                <a:rPr lang="en-US" sz="2000" b="0" i="0" smtClean="0">
+                                  <a:latin typeface="Cambria Math" panose="02040503050406030204" pitchFamily="18" charset="0"/>
+                                </a:rPr>
+                              </m:ctrlPr>
+                            </m:dPr>
+                            <m:e>
+                              <m:r>
+                                <a:rPr lang="en-US" sz="2000" b="1" i="1" smtClean="0">
+                                  <a:latin typeface="Cambria Math" panose="02040503050406030204" pitchFamily="18" charset="0"/>
+                                </a:rPr>
+                                <m:t>​</m:t>
+                              </m:r>
+                            </m:e>
+                          </m:d>
+                        </m:e>
+                        <m:sub>
+                          <m:acc>
+                            <m:accPr>
+                              <m:chr m:val="̅"/>
+                              <m:ctrlPr>
+                                <a:rPr lang="en-US" sz="2000" b="1" i="1">
+                                  <a:latin typeface="Cambria Math" panose="02040503050406030204" pitchFamily="18" charset="0"/>
+                                </a:rPr>
+                              </m:ctrlPr>
+                            </m:accPr>
+                            <m:e>
+                              <m:r>
+                                <a:rPr lang="en-US" sz="2000" b="1" i="1">
+                                  <a:latin typeface="Cambria Math" panose="02040503050406030204" pitchFamily="18" charset="0"/>
+                                </a:rPr>
+                                <m:t>𝒙</m:t>
+                              </m:r>
+                            </m:e>
+                          </m:acc>
+                        </m:sub>
+                      </m:sSub>
+                      <m:acc>
+                        <m:accPr>
+                          <m:chr m:val="̃"/>
+                          <m:ctrlPr>
+                            <a:rPr lang="en-US" sz="2000" b="1" i="1">
+                              <a:latin typeface="Cambria Math" panose="02040503050406030204" pitchFamily="18" charset="0"/>
+                            </a:rPr>
+                          </m:ctrlPr>
+                        </m:accPr>
+                        <m:e>
+                          <m:r>
+                            <a:rPr lang="en-US" sz="2000" b="1" i="1">
+                              <a:latin typeface="Cambria Math" panose="02040503050406030204" pitchFamily="18" charset="0"/>
+                            </a:rPr>
+                            <m:t>𝒙</m:t>
+                          </m:r>
+                        </m:e>
+                      </m:acc>
+                    </m:oMath>
+                  </m:oMathPara>
+                </a14:m>
+                <a:endParaRPr lang="en-US" sz="2000" dirty="0"/>
+              </a:p>
+            </p:txBody>
+          </p:sp>
+        </mc:Choice>
+        <mc:Fallback>
+          <p:sp>
+            <p:nvSpPr>
+              <p:cNvPr id="65" name="Rectangle 64">
+                <a:extLst>
+                  <a:ext uri="{FF2B5EF4-FFF2-40B4-BE49-F238E27FC236}">
+                    <a16:creationId xmlns:a16="http://schemas.microsoft.com/office/drawing/2014/main" id="{BF0FB6D0-B190-B34C-A7DF-D4E0B502BA69}"/>
+                  </a:ext>
+                </a:extLst>
+              </p:cNvPr>
+              <p:cNvSpPr>
+                <a:spLocks noRot="1" noChangeAspect="1" noMove="1" noResize="1" noEditPoints="1" noAdjustHandles="1" noChangeArrowheads="1" noChangeShapeType="1" noTextEdit="1"/>
+              </p:cNvSpPr>
+              <p:nvPr/>
+            </p:nvSpPr>
+            <p:spPr>
+              <a:xfrm>
+                <a:off x="3683281" y="3738659"/>
+                <a:ext cx="1464312" cy="682687"/>
+              </a:xfrm>
+              <a:prstGeom prst="rect">
+                <a:avLst/>
+              </a:prstGeom>
+              <a:blipFill>
+                <a:blip r:embed="rId15"/>
+                <a:stretch>
+                  <a:fillRect t="-127778" r="-21368" b="-203704"/>
+                </a:stretch>
+              </a:blipFill>
+            </p:spPr>
+            <p:txBody>
+              <a:bodyPr/>
+              <a:lstStyle/>
+              <a:p>
+                <a:r>
+                  <a:rPr lang="en-US">
+                    <a:noFill/>
+                  </a:rPr>
+                  <a:t> </a:t>
+                </a:r>
+              </a:p>
+            </p:txBody>
+          </p:sp>
+        </mc:Fallback>
+      </mc:AlternateContent>
+      <mc:AlternateContent xmlns:mc="http://schemas.openxmlformats.org/markup-compatibility/2006">
+        <mc:Choice xmlns:a14="http://schemas.microsoft.com/office/drawing/2010/main" Requires="a14">
+          <p:sp>
+            <p:nvSpPr>
+              <p:cNvPr id="66" name="Rectangle 65">
+                <a:extLst>
+                  <a:ext uri="{FF2B5EF4-FFF2-40B4-BE49-F238E27FC236}">
+                    <a16:creationId xmlns:a16="http://schemas.microsoft.com/office/drawing/2014/main" id="{D6305182-E0D2-074E-8AC7-1048775ACEBD}"/>
+                  </a:ext>
+                </a:extLst>
+              </p:cNvPr>
+              <p:cNvSpPr/>
+              <p:nvPr/>
+            </p:nvSpPr>
+            <p:spPr>
+              <a:xfrm>
+                <a:off x="2829287" y="5892960"/>
+                <a:ext cx="2749471" cy="400110"/>
+              </a:xfrm>
+              <a:prstGeom prst="rect">
+                <a:avLst/>
+              </a:prstGeom>
+            </p:spPr>
+            <p:txBody>
+              <a:bodyPr wrap="none">
+                <a:spAutoFit/>
+              </a:bodyPr>
+              <a:lstStyle/>
+              <a:p>
+                <a:r>
+                  <a:rPr lang="en-US" sz="2000" b="1" dirty="0"/>
+                  <a:t>Remember: </a:t>
+                </a:r>
+                <a14:m>
+                  <m:oMath xmlns:m="http://schemas.openxmlformats.org/officeDocument/2006/math">
+                    <m:r>
+                      <a:rPr lang="en-US" sz="2000" b="1" i="1" smtClean="0">
+                        <a:latin typeface="Cambria Math" panose="02040503050406030204" pitchFamily="18" charset="0"/>
+                      </a:rPr>
+                      <m:t>𝒙</m:t>
+                    </m:r>
+                    <m:r>
+                      <a:rPr lang="en-US" sz="2000" b="0" i="1" smtClean="0">
+                        <a:latin typeface="Cambria Math" panose="02040503050406030204" pitchFamily="18" charset="0"/>
+                      </a:rPr>
+                      <m:t>=</m:t>
+                    </m:r>
+                    <m:acc>
+                      <m:accPr>
+                        <m:chr m:val="̃"/>
+                        <m:ctrlPr>
+                          <a:rPr lang="en-US" sz="2000" i="1" smtClean="0">
+                            <a:latin typeface="Cambria Math" panose="02040503050406030204" pitchFamily="18" charset="0"/>
+                          </a:rPr>
+                        </m:ctrlPr>
+                      </m:accPr>
+                      <m:e>
+                        <m:r>
+                          <a:rPr lang="en-US" sz="2000" b="1" i="1">
+                            <a:latin typeface="Cambria Math" panose="02040503050406030204" pitchFamily="18" charset="0"/>
+                          </a:rPr>
+                          <m:t>𝒙</m:t>
+                        </m:r>
+                      </m:e>
+                    </m:acc>
+                    <m:r>
+                      <a:rPr lang="en-US" sz="2000" b="1" i="1" smtClean="0">
+                        <a:latin typeface="Cambria Math" panose="02040503050406030204" pitchFamily="18" charset="0"/>
+                      </a:rPr>
+                      <m:t>+</m:t>
+                    </m:r>
+                    <m:acc>
+                      <m:accPr>
+                        <m:chr m:val="̅"/>
+                        <m:ctrlPr>
+                          <a:rPr lang="en-US" sz="2000" b="1" i="1">
+                            <a:latin typeface="Cambria Math" panose="02040503050406030204" pitchFamily="18" charset="0"/>
+                          </a:rPr>
+                        </m:ctrlPr>
+                      </m:accPr>
+                      <m:e>
+                        <m:r>
+                          <a:rPr lang="en-US" sz="2000" b="1" i="1">
+                            <a:latin typeface="Cambria Math" panose="02040503050406030204" pitchFamily="18" charset="0"/>
+                          </a:rPr>
+                          <m:t>𝒙</m:t>
+                        </m:r>
+                      </m:e>
+                    </m:acc>
+                  </m:oMath>
+                </a14:m>
+                <a:endParaRPr lang="en-US" sz="2000" dirty="0"/>
+              </a:p>
+            </p:txBody>
+          </p:sp>
+        </mc:Choice>
+        <mc:Fallback>
+          <p:sp>
+            <p:nvSpPr>
+              <p:cNvPr id="66" name="Rectangle 65">
+                <a:extLst>
+                  <a:ext uri="{FF2B5EF4-FFF2-40B4-BE49-F238E27FC236}">
+                    <a16:creationId xmlns:a16="http://schemas.microsoft.com/office/drawing/2014/main" id="{D6305182-E0D2-074E-8AC7-1048775ACEBD}"/>
+                  </a:ext>
+                </a:extLst>
+              </p:cNvPr>
+              <p:cNvSpPr>
+                <a:spLocks noRot="1" noChangeAspect="1" noMove="1" noResize="1" noEditPoints="1" noAdjustHandles="1" noChangeArrowheads="1" noChangeShapeType="1" noTextEdit="1"/>
+              </p:cNvSpPr>
+              <p:nvPr/>
+            </p:nvSpPr>
+            <p:spPr>
+              <a:xfrm>
+                <a:off x="2829287" y="5892960"/>
+                <a:ext cx="2749471" cy="400110"/>
+              </a:xfrm>
+              <a:prstGeom prst="rect">
+                <a:avLst/>
+              </a:prstGeom>
+              <a:blipFill>
+                <a:blip r:embed="rId16"/>
+                <a:stretch>
+                  <a:fillRect l="-2294" t="-9375" b="-28125"/>
+                </a:stretch>
+              </a:blipFill>
+            </p:spPr>
+            <p:txBody>
+              <a:bodyPr/>
+              <a:lstStyle/>
+              <a:p>
+                <a:r>
+                  <a:rPr lang="en-US">
+                    <a:noFill/>
+                  </a:rPr>
+                  <a:t> </a:t>
+                </a:r>
+              </a:p>
+            </p:txBody>
+          </p:sp>
+        </mc:Fallback>
+      </mc:AlternateContent>
+      <p:sp>
+        <p:nvSpPr>
+          <p:cNvPr id="68" name="TextBox 67">
+            <a:extLst>
+              <a:ext uri="{FF2B5EF4-FFF2-40B4-BE49-F238E27FC236}">
+                <a16:creationId xmlns:a16="http://schemas.microsoft.com/office/drawing/2014/main" id="{FB1E7464-B7F3-774C-B127-07C03DBCE5B1}"/>
+              </a:ext>
+            </a:extLst>
+          </p:cNvPr>
+          <p:cNvSpPr txBox="1"/>
+          <p:nvPr/>
+        </p:nvSpPr>
+        <p:spPr>
+          <a:xfrm>
+            <a:off x="2663982" y="4903596"/>
+            <a:ext cx="1107996" cy="369332"/>
+          </a:xfrm>
+          <a:prstGeom prst="rect">
+            <a:avLst/>
+          </a:prstGeom>
+          <a:noFill/>
+        </p:spPr>
+        <p:txBody>
+          <a:bodyPr wrap="none" rtlCol="0">
+            <a:spAutoFit/>
+          </a:bodyPr>
+          <a:lstStyle/>
+          <a:p>
+            <a:r>
+              <a:rPr lang="en-US" dirty="0">
+                <a:solidFill>
+                  <a:srgbClr val="FF0000"/>
+                </a:solidFill>
+              </a:rPr>
+              <a:t>Jacobian</a:t>
             </a:r>
           </a:p>
         </p:txBody>
@@ -34404,7 +34973,7 @@
                                           </p:stCondLst>
                                         </p:cTn>
                                         <p:tgtEl>
-                                          <p:spTgt spid="15"/>
+                                          <p:spTgt spid="68"/>
                                         </p:tgtEl>
                                         <p:attrNameLst>
                                           <p:attrName>style.visibility</p:attrName>
@@ -34436,7 +35005,7 @@
                             </p:stCondLst>
                             <p:childTnLst>
                               <p:par>
-                                <p:cTn id="23" presetID="1" presetClass="entr" presetSubtype="0" fill="hold" grpId="0" nodeType="clickEffect">
+                                <p:cTn id="23" presetID="1" presetClass="entr" presetSubtype="0" fill="hold" nodeType="clickEffect">
                                   <p:stCondLst>
                                     <p:cond delay="0"/>
                                   </p:stCondLst>
@@ -34449,7 +35018,34 @@
                                           </p:stCondLst>
                                         </p:cTn>
                                         <p:tgtEl>
-                                          <p:spTgt spid="56"/>
+                                          <p:spTgt spid="57"/>
+                                        </p:tgtEl>
+                                        <p:attrNameLst>
+                                          <p:attrName>style.visibility</p:attrName>
+                                        </p:attrNameLst>
+                                      </p:cBhvr>
+                                      <p:to>
+                                        <p:strVal val="visible"/>
+                                      </p:to>
+                                    </p:set>
+                                  </p:childTnLst>
+                                </p:cTn>
+                              </p:par>
+                              <p:par>
+                                <p:cTn id="25" presetID="1" presetClass="entr" presetSubtype="0" fill="hold" grpId="0" nodeType="withEffect">
+                                  <p:stCondLst>
+                                    <p:cond delay="0"/>
+                                  </p:stCondLst>
+                                  <p:childTnLst>
+                                    <p:set>
+                                      <p:cBhvr>
+                                        <p:cTn id="26" dur="1" fill="hold">
+                                          <p:stCondLst>
+                                            <p:cond delay="0"/>
+                                          </p:stCondLst>
+                                        </p:cTn>
+                                        <p:tgtEl>
+                                          <p:spTgt spid="65"/>
                                         </p:tgtEl>
                                         <p:attrNameLst>
                                           <p:attrName>style.visibility</p:attrName>
@@ -34469,32 +35065,32 @@
                     </p:cTn>
                   </p:par>
                   <p:par>
-                    <p:cTn id="25" fill="hold">
+                    <p:cTn id="27" fill="hold">
                       <p:stCondLst>
                         <p:cond delay="indefinite"/>
                       </p:stCondLst>
                       <p:childTnLst>
                         <p:par>
-                          <p:cTn id="26" fill="hold">
+                          <p:cTn id="28" fill="hold">
                             <p:stCondLst>
                               <p:cond delay="0"/>
                             </p:stCondLst>
                             <p:childTnLst>
                               <p:par>
-                                <p:cTn id="27" presetID="1" presetClass="entr" presetSubtype="0" fill="hold" nodeType="clickEffect">
+                                <p:cTn id="29" presetID="1" presetClass="entr" presetSubtype="0" fill="hold" grpId="0" nodeType="clickEffect">
                                   <p:stCondLst>
                                     <p:cond delay="0"/>
                                   </p:stCondLst>
                                   <p:childTnLst>
                                     <p:set>
                                       <p:cBhvr>
-                                        <p:cTn id="28" dur="1" fill="hold">
+                                        <p:cTn id="30" dur="1" fill="hold">
                                           <p:stCondLst>
                                             <p:cond delay="0"/>
                                           </p:stCondLst>
                                         </p:cTn>
                                         <p:tgtEl>
-                                          <p:spTgt spid="57"/>
+                                          <p:spTgt spid="23"/>
                                         </p:tgtEl>
                                         <p:attrNameLst>
                                           <p:attrName>style.visibility</p:attrName>
@@ -34507,26 +35103,8 @@
                                   </p:childTnLst>
                                 </p:cTn>
                               </p:par>
-                            </p:childTnLst>
-                          </p:cTn>
-                        </p:par>
-                      </p:childTnLst>
-                    </p:cTn>
-                  </p:par>
-                  <p:par>
-                    <p:cTn id="29" fill="hold">
-                      <p:stCondLst>
-                        <p:cond delay="indefinite"/>
-                      </p:stCondLst>
-                      <p:childTnLst>
-                        <p:par>
-                          <p:cTn id="30" fill="hold">
-                            <p:stCondLst>
-                              <p:cond delay="0"/>
-                            </p:stCondLst>
-                            <p:childTnLst>
                               <p:par>
-                                <p:cTn id="31" presetID="1" presetClass="entr" presetSubtype="0" fill="hold" grpId="0" nodeType="clickEffect">
+                                <p:cTn id="31" presetID="1" presetClass="entr" presetSubtype="0" fill="hold" grpId="0" nodeType="withEffect">
                                   <p:stCondLst>
                                     <p:cond delay="0"/>
                                   </p:stCondLst>
@@ -34539,7 +35117,7 @@
                                           </p:stCondLst>
                                         </p:cTn>
                                         <p:tgtEl>
-                                          <p:spTgt spid="23"/>
+                                          <p:spTgt spid="30"/>
                                         </p:tgtEl>
                                         <p:attrNameLst>
                                           <p:attrName>style.visibility</p:attrName>
@@ -34566,7 +35144,7 @@
                                           </p:stCondLst>
                                         </p:cTn>
                                         <p:tgtEl>
-                                          <p:spTgt spid="30"/>
+                                          <p:spTgt spid="62"/>
                                         </p:tgtEl>
                                         <p:attrNameLst>
                                           <p:attrName>style.visibility</p:attrName>
@@ -34579,21 +35157,39 @@
                                   </p:childTnLst>
                                 </p:cTn>
                               </p:par>
+                            </p:childTnLst>
+                          </p:cTn>
+                        </p:par>
+                      </p:childTnLst>
+                    </p:cTn>
+                  </p:par>
+                  <p:par>
+                    <p:cTn id="35" fill="hold">
+                      <p:stCondLst>
+                        <p:cond delay="indefinite"/>
+                      </p:stCondLst>
+                      <p:childTnLst>
+                        <p:par>
+                          <p:cTn id="36" fill="hold">
+                            <p:stCondLst>
+                              <p:cond delay="0"/>
+                            </p:stCondLst>
+                            <p:childTnLst>
                               <p:par>
-                                <p:cTn id="35" presetID="1" presetClass="entr" presetSubtype="0" fill="hold" grpId="0" nodeType="withEffect">
+                                <p:cTn id="37" presetID="1" presetClass="entr" presetSubtype="0" fill="hold" grpId="0" nodeType="clickEffect">
                                   <p:stCondLst>
                                     <p:cond delay="0"/>
                                   </p:stCondLst>
                                   <p:childTnLst>
                                     <p:set>
                                       <p:cBhvr>
-                                        <p:cTn id="36" dur="1" fill="hold">
+                                        <p:cTn id="38" dur="1" fill="hold">
                                           <p:stCondLst>
                                             <p:cond delay="0"/>
                                           </p:stCondLst>
                                         </p:cTn>
                                         <p:tgtEl>
-                                          <p:spTgt spid="62"/>
+                                          <p:spTgt spid="66"/>
                                         </p:tgtEl>
                                         <p:attrNameLst>
                                           <p:attrName>style.visibility</p:attrName>
@@ -34637,12 +35233,13 @@
       <p:bldP spid="42" grpId="0"/>
       <p:bldP spid="12" grpId="0"/>
       <p:bldP spid="54" grpId="0"/>
-      <p:bldP spid="56" grpId="0"/>
-      <p:bldP spid="15" grpId="0"/>
       <p:bldP spid="58" grpId="0"/>
       <p:bldP spid="23" grpId="0"/>
       <p:bldP spid="30" grpId="0"/>
       <p:bldP spid="62" grpId="0" animBg="1"/>
+      <p:bldP spid="65" grpId="0"/>
+      <p:bldP spid="66" grpId="0"/>
+      <p:bldP spid="68" grpId="0"/>
     </p:bldLst>
   </p:timing>
 </p:sld>

--- a/Lecture_9-Accuracy-Of-Linear-Models/Linearizing-Reaction-Networks.pptx
+++ b/Lecture_9-Accuracy-Of-Linear-Models/Linearizing-Reaction-Networks.pptx
@@ -973,6 +973,99 @@
         </p:txBody>
       </p:sp>
     </p:spTree>
+  </p:cSld>
+  <p:clrMapOvr>
+    <a:masterClrMapping/>
+  </p:clrMapOvr>
+</p:notes>
+</file>
+
+<file path=ppt/notesSlides/notesSlide2.xml><?xml version="1.0" encoding="utf-8"?>
+<p:notes xmlns:a="http://schemas.openxmlformats.org/drawingml/2006/main" xmlns:r="http://schemas.openxmlformats.org/officeDocument/2006/relationships" xmlns:p="http://schemas.openxmlformats.org/presentationml/2006/main">
+  <p:cSld>
+    <p:spTree>
+      <p:nvGrpSpPr>
+        <p:cNvPr id="1" name=""/>
+        <p:cNvGrpSpPr/>
+        <p:nvPr/>
+      </p:nvGrpSpPr>
+      <p:grpSpPr>
+        <a:xfrm>
+          <a:off x="0" y="0"/>
+          <a:ext cx="0" cy="0"/>
+          <a:chOff x="0" y="0"/>
+          <a:chExt cx="0" cy="0"/>
+        </a:xfrm>
+      </p:grpSpPr>
+      <p:sp>
+        <p:nvSpPr>
+          <p:cNvPr id="2" name="Slide Image Placeholder 1"/>
+          <p:cNvSpPr>
+            <a:spLocks noGrp="1" noRot="1" noChangeAspect="1"/>
+          </p:cNvSpPr>
+          <p:nvPr>
+            <p:ph type="sldImg"/>
+          </p:nvPr>
+        </p:nvSpPr>
+        <p:spPr/>
+      </p:sp>
+      <p:sp>
+        <p:nvSpPr>
+          <p:cNvPr id="3" name="Notes Placeholder 2"/>
+          <p:cNvSpPr>
+            <a:spLocks noGrp="1"/>
+          </p:cNvSpPr>
+          <p:nvPr>
+            <p:ph type="body" idx="1"/>
+          </p:nvPr>
+        </p:nvSpPr>
+        <p:spPr/>
+        <p:txBody>
+          <a:bodyPr/>
+          <a:lstStyle/>
+          <a:p>
+            <a:r>
+              <a:rPr lang="en-US" dirty="0"/>
+              <a:t>Note that J4 is not mass action</a:t>
+            </a:r>
+          </a:p>
+        </p:txBody>
+      </p:sp>
+      <p:sp>
+        <p:nvSpPr>
+          <p:cNvPr id="4" name="Slide Number Placeholder 3"/>
+          <p:cNvSpPr>
+            <a:spLocks noGrp="1"/>
+          </p:cNvSpPr>
+          <p:nvPr>
+            <p:ph type="sldNum" sz="quarter" idx="5"/>
+          </p:nvPr>
+        </p:nvSpPr>
+        <p:spPr/>
+        <p:txBody>
+          <a:bodyPr/>
+          <a:lstStyle/>
+          <a:p>
+            <a:pPr>
+              <a:defRPr/>
+            </a:pPr>
+            <a:fld id="{1E3608CA-DBCA-4E8F-8DAB-6E1AFAF19782}" type="slidenum">
+              <a:rPr lang="en-US" altLang="x-none" smtClean="0"/>
+              <a:pPr>
+                <a:defRPr/>
+              </a:pPr>
+              <a:t>2</a:t>
+            </a:fld>
+            <a:endParaRPr lang="en-US" altLang="x-none"/>
+          </a:p>
+        </p:txBody>
+      </p:sp>
+    </p:spTree>
+    <p:extLst>
+      <p:ext uri="{BB962C8B-B14F-4D97-AF65-F5344CB8AC3E}">
+        <p14:creationId xmlns:p14="http://schemas.microsoft.com/office/powerpoint/2010/main" val="3147317948"/>
+      </p:ext>
+    </p:extLst>
   </p:cSld>
   <p:clrMapOvr>
     <a:masterClrMapping/>
@@ -15423,7 +15516,7 @@
         <p:spPr>
           <a:xfrm>
             <a:off x="253013" y="1148669"/>
-            <a:ext cx="4318987" cy="3769560"/>
+            <a:ext cx="4661187" cy="3769560"/>
           </a:xfrm>
         </p:spPr>
         <p:txBody>
@@ -15839,7 +15932,7 @@
                 <a:avLst/>
               </a:prstGeom>
               <a:blipFill>
-                <a:blip r:embed="rId2"/>
+                <a:blip r:embed="rId3"/>
                 <a:stretch>
                   <a:fillRect l="-3797" r="-1266" b="-12000"/>
                 </a:stretch>
@@ -15971,7 +16064,7 @@
                 <a:avLst/>
               </a:prstGeom>
               <a:blipFill>
-                <a:blip r:embed="rId3"/>
+                <a:blip r:embed="rId4"/>
                 <a:stretch>
                   <a:fillRect l="-8696" t="-11538" r="-2174" b="-11538"/>
                 </a:stretch>
@@ -16103,7 +16196,7 @@
                 <a:avLst/>
               </a:prstGeom>
               <a:blipFill>
-                <a:blip r:embed="rId4"/>
+                <a:blip r:embed="rId5"/>
                 <a:stretch>
                   <a:fillRect l="-6383" t="-11538" r="-2128" b="-15385"/>
                 </a:stretch>
@@ -16235,7 +16328,7 @@
                 <a:avLst/>
               </a:prstGeom>
               <a:blipFill>
-                <a:blip r:embed="rId5"/>
+                <a:blip r:embed="rId6"/>
                 <a:stretch>
                   <a:fillRect l="-6383" t="-15385" r="-2128" b="-11538"/>
                 </a:stretch>
@@ -16565,7 +16658,7 @@
                 <a:avLst/>
               </a:prstGeom>
               <a:blipFill>
-                <a:blip r:embed="rId6"/>
+                <a:blip r:embed="rId7"/>
                 <a:stretch>
                   <a:fillRect b="-16000"/>
                 </a:stretch>
@@ -16603,7 +16696,7 @@
             <p:spPr>
               <a:xfrm>
                 <a:off x="5671891" y="4730567"/>
-                <a:ext cx="2734082" cy="307777"/>
+                <a:ext cx="2666307" cy="307777"/>
               </a:xfrm>
               <a:prstGeom prst="rect">
                 <a:avLst/>
@@ -16787,25 +16880,22 @@
                       <m:sSub>
                         <m:sSubPr>
                           <m:ctrlPr>
-                            <a:rPr lang="en-US" sz="2000" b="0" i="0" smtClean="0">
+                            <a:rPr lang="en-US" sz="2000" b="0" i="1" smtClean="0">
                               <a:latin typeface="Cambria Math" panose="02040503050406030204" pitchFamily="18" charset="0"/>
                             </a:rPr>
                           </m:ctrlPr>
                         </m:sSubPr>
                         <m:e>
                           <m:r>
-                            <m:rPr>
-                              <m:sty m:val="p"/>
-                            </m:rPr>
-                            <a:rPr lang="en-US" sz="2000" b="0" i="0" smtClean="0">
+                            <a:rPr lang="en-US" sz="2000" b="0" i="1" smtClean="0">
                               <a:latin typeface="Cambria Math" panose="02040503050406030204" pitchFamily="18" charset="0"/>
                             </a:rPr>
-                            <m:t>S</m:t>
+                            <m:t>𝑆</m:t>
                           </m:r>
                         </m:e>
                         <m:sub>
                           <m:r>
-                            <a:rPr lang="en-US" sz="2000" b="0" i="0" smtClean="0">
+                            <a:rPr lang="en-US" sz="2000" b="0" i="1" smtClean="0">
                               <a:latin typeface="Cambria Math" panose="02040503050406030204" pitchFamily="18" charset="0"/>
                             </a:rPr>
                             <m:t>1</m:t>
@@ -16866,15 +16956,15 @@
             <p:spPr>
               <a:xfrm>
                 <a:off x="5671891" y="4730567"/>
-                <a:ext cx="2734082" cy="307777"/>
+                <a:ext cx="2666307" cy="307777"/>
               </a:xfrm>
               <a:prstGeom prst="rect">
                 <a:avLst/>
               </a:prstGeom>
               <a:blipFill>
-                <a:blip r:embed="rId7"/>
+                <a:blip r:embed="rId8"/>
                 <a:stretch>
-                  <a:fillRect l="-463" b="-16000"/>
+                  <a:fillRect l="-1422" b="-16000"/>
                 </a:stretch>
               </a:blipFill>
             </p:spPr>
@@ -16908,7 +16998,7 @@
           <p:nvPr/>
         </p:nvPicPr>
         <p:blipFill>
-          <a:blip r:embed="rId8"/>
+          <a:blip r:embed="rId9"/>
           <a:stretch>
             <a:fillRect/>
           </a:stretch>
@@ -16940,7 +17030,7 @@
             <p:spPr>
               <a:xfrm>
                 <a:off x="5725159" y="5100649"/>
-                <a:ext cx="3057440" cy="307777"/>
+                <a:ext cx="3034164" cy="307777"/>
               </a:xfrm>
               <a:prstGeom prst="rect">
                 <a:avLst/>
@@ -17133,25 +17223,22 @@
                       <m:sSub>
                         <m:sSubPr>
                           <m:ctrlPr>
-                            <a:rPr lang="en-US" sz="2000" b="0" i="0" smtClean="0">
+                            <a:rPr lang="en-US" sz="2000" b="0" i="1" smtClean="0">
                               <a:latin typeface="Cambria Math" panose="02040503050406030204" pitchFamily="18" charset="0"/>
                             </a:rPr>
                           </m:ctrlPr>
                         </m:sSubPr>
                         <m:e>
                           <m:r>
-                            <m:rPr>
-                              <m:sty m:val="p"/>
-                            </m:rPr>
-                            <a:rPr lang="en-US" sz="2000" b="0" i="0" smtClean="0">
+                            <a:rPr lang="en-US" sz="2000" b="0" i="1" smtClean="0">
                               <a:latin typeface="Cambria Math" panose="02040503050406030204" pitchFamily="18" charset="0"/>
                             </a:rPr>
-                            <m:t>S</m:t>
+                            <m:t>𝑆</m:t>
                           </m:r>
                         </m:e>
                         <m:sub>
                           <m:r>
-                            <a:rPr lang="en-US" sz="2000" b="0" i="0" smtClean="0">
+                            <a:rPr lang="en-US" sz="2000" b="0" i="1" smtClean="0">
                               <a:latin typeface="Cambria Math" panose="02040503050406030204" pitchFamily="18" charset="0"/>
                             </a:rPr>
                             <m:t>1</m:t>
@@ -17212,15 +17299,15 @@
             <p:spPr>
               <a:xfrm>
                 <a:off x="5725159" y="5100649"/>
-                <a:ext cx="3057440" cy="307777"/>
+                <a:ext cx="3034164" cy="307777"/>
               </a:xfrm>
               <a:prstGeom prst="rect">
                 <a:avLst/>
               </a:prstGeom>
               <a:blipFill>
-                <a:blip r:embed="rId9"/>
+                <a:blip r:embed="rId10"/>
                 <a:stretch>
-                  <a:fillRect l="-1653" b="-32000"/>
+                  <a:fillRect l="-2083" b="-32000"/>
                 </a:stretch>
               </a:blipFill>
             </p:spPr>
@@ -17350,7 +17437,7 @@
                 <a:avLst/>
               </a:prstGeom>
               <a:blipFill>
-                <a:blip r:embed="rId10"/>
+                <a:blip r:embed="rId11"/>
                 <a:stretch>
                   <a:fillRect l="-8696" t="-16000" r="-4348" b="-16000"/>
                 </a:stretch>
@@ -17482,7 +17569,7 @@
                 <a:avLst/>
               </a:prstGeom>
               <a:blipFill>
-                <a:blip r:embed="rId11"/>
+                <a:blip r:embed="rId12"/>
                 <a:stretch>
                   <a:fillRect l="-8696" t="-11111" r="-4348" b="-11111"/>
                 </a:stretch>
@@ -17614,7 +17701,7 @@
                 <a:avLst/>
               </a:prstGeom>
               <a:blipFill>
-                <a:blip r:embed="rId12"/>
+                <a:blip r:embed="rId13"/>
                 <a:stretch>
                   <a:fillRect l="-6383" t="-11538" r="-2128" b="-15385"/>
                 </a:stretch>
@@ -17844,7 +17931,7 @@
                 <a:avLst/>
               </a:prstGeom>
               <a:blipFill>
-                <a:blip r:embed="rId13"/>
+                <a:blip r:embed="rId14"/>
                 <a:stretch>
                   <a:fillRect l="-3084" t="-8000" b="-40000"/>
                 </a:stretch>
@@ -18004,7 +18091,7 @@
                 <a:avLst/>
               </a:prstGeom>
               <a:blipFill>
-                <a:blip r:embed="rId14"/>
+                <a:blip r:embed="rId15"/>
                 <a:stretch>
                   <a:fillRect t="-3448" b="-20690"/>
                 </a:stretch>
@@ -18275,7 +18362,7 @@
                 <a:avLst/>
               </a:prstGeom>
               <a:blipFill>
-                <a:blip r:embed="rId15"/>
+                <a:blip r:embed="rId16"/>
                 <a:stretch>
                   <a:fillRect l="-3030" t="-8000" b="-40000"/>
                 </a:stretch>
@@ -18517,7 +18604,7 @@
                 <a:avLst/>
               </a:prstGeom>
               <a:blipFill>
-                <a:blip r:embed="rId16"/>
+                <a:blip r:embed="rId17"/>
                 <a:stretch>
                   <a:fillRect l="-2193" t="-3846" b="-34615"/>
                 </a:stretch>
@@ -18636,7 +18723,7 @@
                 <a:avLst/>
               </a:prstGeom>
               <a:blipFill>
-                <a:blip r:embed="rId17"/>
+                <a:blip r:embed="rId18"/>
                 <a:stretch>
                   <a:fillRect b="-9677"/>
                 </a:stretch>
@@ -18755,7 +18842,7 @@
                 <a:avLst/>
               </a:prstGeom>
               <a:blipFill>
-                <a:blip r:embed="rId18"/>
+                <a:blip r:embed="rId19"/>
                 <a:stretch>
                   <a:fillRect b="-20000"/>
                 </a:stretch>
@@ -18874,7 +18961,7 @@
                 <a:avLst/>
               </a:prstGeom>
               <a:blipFill>
-                <a:blip r:embed="rId19"/>
+                <a:blip r:embed="rId20"/>
                 <a:stretch>
                   <a:fillRect b="-20690"/>
                 </a:stretch>
@@ -18993,7 +19080,7 @@
                 <a:avLst/>
               </a:prstGeom>
               <a:blipFill>
-                <a:blip r:embed="rId20"/>
+                <a:blip r:embed="rId21"/>
                 <a:stretch>
                   <a:fillRect b="-20000"/>
                 </a:stretch>
